--- a/document/讲义（ppt）/安全基础与ssl配置.pptx
+++ b/document/讲义（ppt）/安全基础与ssl配置.pptx
@@ -7,8 +7,16 @@
   <p:sldIdLst>
     <p:sldId id="256" r:id="rId3"/>
     <p:sldId id="275" r:id="rId4"/>
-    <p:sldId id="258" r:id="rId5"/>
-    <p:sldId id="270" r:id="rId6"/>
+    <p:sldId id="278" r:id="rId5"/>
+    <p:sldId id="258" r:id="rId6"/>
+    <p:sldId id="279" r:id="rId7"/>
+    <p:sldId id="280" r:id="rId8"/>
+    <p:sldId id="281" r:id="rId9"/>
+    <p:sldId id="282" r:id="rId10"/>
+    <p:sldId id="286" r:id="rId11"/>
+    <p:sldId id="283" r:id="rId12"/>
+    <p:sldId id="284" r:id="rId13"/>
+    <p:sldId id="285" r:id="rId14"/>
   </p:sldIdLst>
   <p:sldSz cx="12192000" cy="6858000"/>
   <p:notesSz cx="6858000" cy="9144000"/>
@@ -5846,21 +5854,21 @@
                 <a:latin typeface="宋体" panose="02010600030101010101" pitchFamily="2" charset="-122"/>
                 <a:ea typeface="宋体" panose="02010600030101010101" pitchFamily="2" charset="-122"/>
               </a:rPr>
-              <a:t>mybatis</a:t>
+              <a:t>RSA</a:t>
             </a:r>
             <a:r>
               <a:rPr lang="zh-CN" altLang="en-US" dirty="0">
                 <a:latin typeface="宋体" panose="02010600030101010101" pitchFamily="2" charset="-122"/>
                 <a:ea typeface="宋体" panose="02010600030101010101" pitchFamily="2" charset="-122"/>
               </a:rPr>
-              <a:t>及其</a:t>
+              <a:t>算法</a:t>
             </a:r>
             <a:r>
               <a:rPr lang="zh-CN" altLang="en-US" dirty="0">
                 <a:latin typeface="宋体" panose="02010600030101010101" pitchFamily="2" charset="-122"/>
                 <a:ea typeface="宋体" panose="02010600030101010101" pitchFamily="2" charset="-122"/>
               </a:rPr>
-              <a:t>用法</a:t>
+              <a:t>基础</a:t>
             </a:r>
             <a:endParaRPr lang="zh-CN" altLang="en-US" dirty="0">
               <a:latin typeface="宋体" panose="02010600030101010101" pitchFamily="2" charset="-122"/>
@@ -5885,6 +5893,378 @@
           <a:lstStyle/>
           <a:p>
             <a:endParaRPr lang="zh-CN" altLang="en-US" dirty="0"/>
+          </a:p>
+        </p:txBody>
+      </p:sp>
+    </p:spTree>
+  </p:cSld>
+  <p:clrMapOvr>
+    <a:masterClrMapping/>
+  </p:clrMapOvr>
+</p:sld>
+</file>
+
+<file path=ppt/slides/slide10.xml><?xml version="1.0" encoding="utf-8"?>
+<p:sld xmlns:a="http://schemas.openxmlformats.org/drawingml/2006/main" xmlns:r="http://schemas.openxmlformats.org/officeDocument/2006/relationships" xmlns:p="http://schemas.openxmlformats.org/presentationml/2006/main">
+  <p:cSld>
+    <p:spTree>
+      <p:nvGrpSpPr>
+        <p:cNvPr id="1" name=""/>
+        <p:cNvGrpSpPr/>
+        <p:nvPr/>
+      </p:nvGrpSpPr>
+      <p:grpSpPr/>
+      <p:sp>
+        <p:nvSpPr>
+          <p:cNvPr id="2" name="标题 1"/>
+          <p:cNvSpPr>
+            <a:spLocks noGrp="1"/>
+          </p:cNvSpPr>
+          <p:nvPr>
+            <p:ph type="title"/>
+          </p:nvPr>
+        </p:nvSpPr>
+        <p:spPr/>
+        <p:txBody>
+          <a:bodyPr/>
+          <a:p>
+            <a:r>
+              <a:rPr lang="zh-CN" altLang="en-US"/>
+              <a:t>区分这些</a:t>
+            </a:r>
+            <a:r>
+              <a:rPr lang="zh-CN" altLang="en-US"/>
+              <a:t>词儿：</a:t>
+            </a:r>
+            <a:endParaRPr lang="zh-CN" altLang="en-US"/>
+          </a:p>
+        </p:txBody>
+      </p:sp>
+      <p:sp>
+        <p:nvSpPr>
+          <p:cNvPr id="3" name="内容占位符 2"/>
+          <p:cNvSpPr>
+            <a:spLocks noGrp="1"/>
+          </p:cNvSpPr>
+          <p:nvPr>
+            <p:ph idx="1"/>
+          </p:nvPr>
+        </p:nvSpPr>
+        <p:spPr/>
+        <p:txBody>
+          <a:bodyPr/>
+          <a:p>
+            <a:r>
+              <a:rPr lang="zh-CN" altLang="en-US">
+                <a:latin typeface="宋体" panose="02010600030101010101" pitchFamily="2" charset="-122"/>
+                <a:ea typeface="宋体" panose="02010600030101010101" pitchFamily="2" charset="-122"/>
+              </a:rPr>
+              <a:t>公私钥对</a:t>
+            </a:r>
+            <a:endParaRPr lang="zh-CN" altLang="en-US">
+              <a:latin typeface="宋体" panose="02010600030101010101" pitchFamily="2" charset="-122"/>
+              <a:ea typeface="宋体" panose="02010600030101010101" pitchFamily="2" charset="-122"/>
+            </a:endParaRPr>
+          </a:p>
+          <a:p>
+            <a:r>
+              <a:rPr lang="zh-CN" altLang="en-US">
+                <a:latin typeface="宋体" panose="02010600030101010101" pitchFamily="2" charset="-122"/>
+                <a:ea typeface="宋体" panose="02010600030101010101" pitchFamily="2" charset="-122"/>
+              </a:rPr>
+              <a:t>模密</a:t>
+            </a:r>
+            <a:r>
+              <a:rPr lang="zh-CN" altLang="en-US">
+                <a:latin typeface="宋体" panose="02010600030101010101" pitchFamily="2" charset="-122"/>
+                <a:ea typeface="宋体" panose="02010600030101010101" pitchFamily="2" charset="-122"/>
+              </a:rPr>
+              <a:t>运算</a:t>
+            </a:r>
+            <a:endParaRPr lang="zh-CN" altLang="en-US">
+              <a:latin typeface="宋体" panose="02010600030101010101" pitchFamily="2" charset="-122"/>
+              <a:ea typeface="宋体" panose="02010600030101010101" pitchFamily="2" charset="-122"/>
+            </a:endParaRPr>
+          </a:p>
+          <a:p>
+            <a:r>
+              <a:rPr lang="zh-CN" altLang="en-US">
+                <a:latin typeface="宋体" panose="02010600030101010101" pitchFamily="2" charset="-122"/>
+                <a:ea typeface="宋体" panose="02010600030101010101" pitchFamily="2" charset="-122"/>
+              </a:rPr>
+              <a:t>加密</a:t>
+            </a:r>
+            <a:endParaRPr lang="zh-CN" altLang="en-US">
+              <a:latin typeface="宋体" panose="02010600030101010101" pitchFamily="2" charset="-122"/>
+              <a:ea typeface="宋体" panose="02010600030101010101" pitchFamily="2" charset="-122"/>
+            </a:endParaRPr>
+          </a:p>
+          <a:p>
+            <a:r>
+              <a:rPr lang="zh-CN" altLang="en-US">
+                <a:latin typeface="宋体" panose="02010600030101010101" pitchFamily="2" charset="-122"/>
+                <a:ea typeface="宋体" panose="02010600030101010101" pitchFamily="2" charset="-122"/>
+              </a:rPr>
+              <a:t>签名</a:t>
+            </a:r>
+            <a:endParaRPr lang="zh-CN" altLang="en-US">
+              <a:latin typeface="宋体" panose="02010600030101010101" pitchFamily="2" charset="-122"/>
+              <a:ea typeface="宋体" panose="02010600030101010101" pitchFamily="2" charset="-122"/>
+            </a:endParaRPr>
+          </a:p>
+          <a:p>
+            <a:r>
+              <a:rPr lang="zh-CN" altLang="en-US">
+                <a:latin typeface="宋体" panose="02010600030101010101" pitchFamily="2" charset="-122"/>
+                <a:ea typeface="宋体" panose="02010600030101010101" pitchFamily="2" charset="-122"/>
+              </a:rPr>
+              <a:t>证书（一方用自己的私钥对另一方公钥的签名）。注意，证书是特定签名，签名</a:t>
+            </a:r>
+            <a:r>
+              <a:rPr lang="zh-CN" altLang="en-US">
+                <a:latin typeface="宋体" panose="02010600030101010101" pitchFamily="2" charset="-122"/>
+                <a:ea typeface="宋体" panose="02010600030101010101" pitchFamily="2" charset="-122"/>
+              </a:rPr>
+              <a:t>消息体对象是</a:t>
+            </a:r>
+            <a:r>
+              <a:rPr lang="zh-CN" altLang="en-US">
+                <a:latin typeface="宋体" panose="02010600030101010101" pitchFamily="2" charset="-122"/>
+                <a:ea typeface="宋体" panose="02010600030101010101" pitchFamily="2" charset="-122"/>
+              </a:rPr>
+              <a:t>公钥，但签名不只用在证书</a:t>
+            </a:r>
+            <a:r>
+              <a:rPr lang="zh-CN" altLang="en-US">
+                <a:latin typeface="宋体" panose="02010600030101010101" pitchFamily="2" charset="-122"/>
+                <a:ea typeface="宋体" panose="02010600030101010101" pitchFamily="2" charset="-122"/>
+              </a:rPr>
+              <a:t>中</a:t>
+            </a:r>
+            <a:endParaRPr lang="zh-CN" altLang="en-US">
+              <a:latin typeface="宋体" panose="02010600030101010101" pitchFamily="2" charset="-122"/>
+              <a:ea typeface="宋体" panose="02010600030101010101" pitchFamily="2" charset="-122"/>
+            </a:endParaRPr>
+          </a:p>
+        </p:txBody>
+      </p:sp>
+    </p:spTree>
+  </p:cSld>
+  <p:clrMapOvr>
+    <a:masterClrMapping/>
+  </p:clrMapOvr>
+</p:sld>
+</file>
+
+<file path=ppt/slides/slide11.xml><?xml version="1.0" encoding="utf-8"?>
+<p:sld xmlns:a="http://schemas.openxmlformats.org/drawingml/2006/main" xmlns:r="http://schemas.openxmlformats.org/officeDocument/2006/relationships" xmlns:p="http://schemas.openxmlformats.org/presentationml/2006/main">
+  <p:cSld>
+    <p:spTree>
+      <p:nvGrpSpPr>
+        <p:cNvPr id="1" name=""/>
+        <p:cNvGrpSpPr/>
+        <p:nvPr/>
+      </p:nvGrpSpPr>
+      <p:grpSpPr/>
+      <p:sp>
+        <p:nvSpPr>
+          <p:cNvPr id="2" name="标题 1"/>
+          <p:cNvSpPr>
+            <a:spLocks noGrp="1"/>
+          </p:cNvSpPr>
+          <p:nvPr>
+            <p:ph type="title"/>
+          </p:nvPr>
+        </p:nvSpPr>
+        <p:spPr/>
+        <p:txBody>
+          <a:bodyPr/>
+          <a:p>
+            <a:r>
+              <a:rPr lang="zh-CN" altLang="en-US"/>
+              <a:t>使用场景</a:t>
+            </a:r>
+            <a:r>
+              <a:rPr lang="en-US" altLang="zh-CN"/>
+              <a:t>1</a:t>
+            </a:r>
+            <a:endParaRPr lang="en-US" altLang="zh-CN"/>
+          </a:p>
+        </p:txBody>
+      </p:sp>
+      <p:sp>
+        <p:nvSpPr>
+          <p:cNvPr id="3" name="内容占位符 2"/>
+          <p:cNvSpPr>
+            <a:spLocks noGrp="1"/>
+          </p:cNvSpPr>
+          <p:nvPr>
+            <p:ph idx="1"/>
+          </p:nvPr>
+        </p:nvSpPr>
+        <p:spPr/>
+        <p:txBody>
+          <a:bodyPr/>
+          <a:p>
+            <a:r>
+              <a:rPr lang="zh-CN" altLang="en-US">
+                <a:latin typeface="宋体" panose="02010600030101010101" pitchFamily="2" charset="-122"/>
+                <a:ea typeface="宋体" panose="02010600030101010101" pitchFamily="2" charset="-122"/>
+              </a:rPr>
+              <a:t>同时做加密和签名，要先签名后加密，以防止</a:t>
+            </a:r>
+            <a:r>
+              <a:rPr lang="zh-CN" altLang="en-US">
+                <a:latin typeface="宋体" panose="02010600030101010101" pitchFamily="2" charset="-122"/>
+                <a:ea typeface="宋体" panose="02010600030101010101" pitchFamily="2" charset="-122"/>
+              </a:rPr>
+              <a:t>伪造</a:t>
+            </a:r>
+            <a:endParaRPr lang="zh-CN" altLang="en-US">
+              <a:latin typeface="宋体" panose="02010600030101010101" pitchFamily="2" charset="-122"/>
+              <a:ea typeface="宋体" panose="02010600030101010101" pitchFamily="2" charset="-122"/>
+            </a:endParaRPr>
+          </a:p>
+        </p:txBody>
+      </p:sp>
+    </p:spTree>
+  </p:cSld>
+  <p:clrMapOvr>
+    <a:masterClrMapping/>
+  </p:clrMapOvr>
+</p:sld>
+</file>
+
+<file path=ppt/slides/slide12.xml><?xml version="1.0" encoding="utf-8"?>
+<p:sld xmlns:a="http://schemas.openxmlformats.org/drawingml/2006/main" xmlns:r="http://schemas.openxmlformats.org/officeDocument/2006/relationships" xmlns:p="http://schemas.openxmlformats.org/presentationml/2006/main">
+  <p:cSld>
+    <p:spTree>
+      <p:nvGrpSpPr>
+        <p:cNvPr id="1" name=""/>
+        <p:cNvGrpSpPr/>
+        <p:nvPr/>
+      </p:nvGrpSpPr>
+      <p:grpSpPr/>
+      <p:sp>
+        <p:nvSpPr>
+          <p:cNvPr id="2" name="标题 1"/>
+          <p:cNvSpPr>
+            <a:spLocks noGrp="1"/>
+          </p:cNvSpPr>
+          <p:nvPr>
+            <p:ph type="title"/>
+          </p:nvPr>
+        </p:nvSpPr>
+        <p:spPr/>
+        <p:txBody>
+          <a:bodyPr/>
+          <a:p>
+            <a:r>
+              <a:rPr lang="zh-CN" altLang="en-US"/>
+              <a:t>使用场景</a:t>
+            </a:r>
+            <a:r>
+              <a:rPr lang="en-US" altLang="zh-CN"/>
+              <a:t>2</a:t>
+            </a:r>
+            <a:r>
+              <a:rPr lang="zh-CN" altLang="en-US"/>
+              <a:t>：</a:t>
+            </a:r>
+            <a:r>
+              <a:rPr lang="en-US" altLang="zh-CN"/>
+              <a:t>TLS(SSL)</a:t>
+            </a:r>
+            <a:endParaRPr lang="zh-CN" altLang="en-US"/>
+          </a:p>
+        </p:txBody>
+      </p:sp>
+      <p:sp>
+        <p:nvSpPr>
+          <p:cNvPr id="3" name="内容占位符 2"/>
+          <p:cNvSpPr>
+            <a:spLocks noGrp="1"/>
+          </p:cNvSpPr>
+          <p:nvPr>
+            <p:ph idx="1"/>
+          </p:nvPr>
+        </p:nvSpPr>
+        <p:spPr/>
+        <p:txBody>
+          <a:bodyPr/>
+          <a:p>
+            <a:pPr marL="0" indent="0">
+              <a:buNone/>
+            </a:pPr>
+            <a:r>
+              <a:rPr lang="zh-CN" altLang="en-US">
+                <a:latin typeface="宋体" panose="02010600030101010101" pitchFamily="2" charset="-122"/>
+                <a:ea typeface="宋体" panose="02010600030101010101" pitchFamily="2" charset="-122"/>
+              </a:rPr>
+              <a:t>本质是用场景</a:t>
+            </a:r>
+            <a:r>
+              <a:rPr lang="en-US" altLang="zh-CN">
+                <a:latin typeface="宋体" panose="02010600030101010101" pitchFamily="2" charset="-122"/>
+                <a:ea typeface="宋体" panose="02010600030101010101" pitchFamily="2" charset="-122"/>
+              </a:rPr>
+              <a:t>1</a:t>
+            </a:r>
+            <a:r>
+              <a:rPr lang="zh-CN" altLang="en-US">
+                <a:latin typeface="宋体" panose="02010600030101010101" pitchFamily="2" charset="-122"/>
+                <a:ea typeface="宋体" panose="02010600030101010101" pitchFamily="2" charset="-122"/>
+              </a:rPr>
+              <a:t>交换对称密钥，进入通信</a:t>
+            </a:r>
+            <a:r>
+              <a:rPr lang="zh-CN" altLang="en-US">
+                <a:latin typeface="宋体" panose="02010600030101010101" pitchFamily="2" charset="-122"/>
+                <a:ea typeface="宋体" panose="02010600030101010101" pitchFamily="2" charset="-122"/>
+              </a:rPr>
+              <a:t>阶段</a:t>
+            </a:r>
+            <a:endParaRPr lang="zh-CN" altLang="en-US">
+              <a:latin typeface="宋体" panose="02010600030101010101" pitchFamily="2" charset="-122"/>
+              <a:ea typeface="宋体" panose="02010600030101010101" pitchFamily="2" charset="-122"/>
+            </a:endParaRPr>
+          </a:p>
+          <a:p>
+            <a:pPr marL="0" indent="0">
+              <a:buNone/>
+            </a:pPr>
+            <a:r>
+              <a:rPr lang="zh-CN" altLang="en-US">
+                <a:latin typeface="宋体" panose="02010600030101010101" pitchFamily="2" charset="-122"/>
+                <a:ea typeface="宋体" panose="02010600030101010101" pitchFamily="2" charset="-122"/>
+              </a:rPr>
+              <a:t>单向</a:t>
+            </a:r>
+            <a:r>
+              <a:rPr lang="en-US" altLang="zh-CN">
+                <a:latin typeface="宋体" panose="02010600030101010101" pitchFamily="2" charset="-122"/>
+                <a:ea typeface="宋体" panose="02010600030101010101" pitchFamily="2" charset="-122"/>
+              </a:rPr>
+              <a:t>(</a:t>
+            </a:r>
+            <a:r>
+              <a:rPr lang="zh-CN" altLang="en-US">
+                <a:latin typeface="宋体" panose="02010600030101010101" pitchFamily="2" charset="-122"/>
+                <a:ea typeface="宋体" panose="02010600030101010101" pitchFamily="2" charset="-122"/>
+              </a:rPr>
+              <a:t>只有服务器端有</a:t>
+            </a:r>
+            <a:r>
+              <a:rPr lang="en-US" altLang="zh-CN">
+                <a:latin typeface="宋体" panose="02010600030101010101" pitchFamily="2" charset="-122"/>
+                <a:ea typeface="宋体" panose="02010600030101010101" pitchFamily="2" charset="-122"/>
+              </a:rPr>
+              <a:t>)</a:t>
+            </a:r>
+            <a:endParaRPr lang="en-US" altLang="zh-CN">
+              <a:latin typeface="宋体" panose="02010600030101010101" pitchFamily="2" charset="-122"/>
+              <a:ea typeface="宋体" panose="02010600030101010101" pitchFamily="2" charset="-122"/>
+            </a:endParaRPr>
           </a:p>
         </p:txBody>
       </p:sp>
@@ -5925,7 +6305,14 @@
                 <a:latin typeface="宋体" panose="02010600030101010101" pitchFamily="2" charset="-122"/>
                 <a:ea typeface="宋体" panose="02010600030101010101" pitchFamily="2" charset="-122"/>
               </a:rPr>
-              <a:t>特点</a:t>
+              <a:t>互质、同余、欧拉函数和欧拉</a:t>
+            </a:r>
+            <a:r>
+              <a:rPr lang="zh-CN" altLang="en-US">
+                <a:latin typeface="宋体" panose="02010600030101010101" pitchFamily="2" charset="-122"/>
+                <a:ea typeface="宋体" panose="02010600030101010101" pitchFamily="2" charset="-122"/>
+              </a:rPr>
+              <a:t>定理</a:t>
             </a:r>
             <a:endParaRPr lang="zh-CN" altLang="en-US">
               <a:latin typeface="宋体" panose="02010600030101010101" pitchFamily="2" charset="-122"/>
@@ -5948,14 +6335,6 @@
         <p:txBody>
           <a:bodyPr/>
           <a:p>
-            <a:r>
-              <a:rPr lang="zh-CN" altLang="en-US">
-                <a:solidFill>
-                  <a:srgbClr val="FF0000"/>
-                </a:solidFill>
-              </a:rPr>
-              <a:t>灵活。</a:t>
-            </a:r>
             <a:endParaRPr lang="zh-CN" altLang="en-US">
               <a:solidFill>
                 <a:srgbClr val="FF0000"/>
@@ -5964,28 +6343,21 @@
           </a:p>
           <a:p>
             <a:r>
-              <a:rPr lang="zh-CN" altLang="en-US"/>
-              <a:t>实质：很大</a:t>
-            </a:r>
-            <a:r>
-              <a:rPr lang="zh-CN" altLang="en-US"/>
-              <a:t>程度上，开发者仍然面向关系</a:t>
-            </a:r>
-            <a:r>
-              <a:rPr lang="zh-CN" altLang="en-US"/>
-              <a:t>数据和</a:t>
-            </a:r>
-            <a:r>
-              <a:rPr lang="en-US" altLang="zh-CN"/>
-              <a:t>SQL</a:t>
-            </a:r>
-            <a:endParaRPr lang="en-US" altLang="zh-CN"/>
-          </a:p>
-          <a:p>
-            <a:pPr marL="0" indent="0">
-              <a:buNone/>
-            </a:pPr>
-            <a:endParaRPr lang="zh-CN" altLang="en-US"/>
+              <a:rPr lang="zh-CN">
+                <a:latin typeface="宋体" panose="02010600030101010101" pitchFamily="2" charset="-122"/>
+                <a:ea typeface="宋体" panose="02010600030101010101" pitchFamily="2" charset="-122"/>
+              </a:rPr>
+              <a:t>互质的概念。整数质因数唯一分解定理。欧拉函数及其求法。</a:t>
+            </a:r>
+            <a:endParaRPr>
+              <a:latin typeface="宋体" panose="02010600030101010101" pitchFamily="2" charset="-122"/>
+              <a:ea typeface="宋体" panose="02010600030101010101" pitchFamily="2" charset="-122"/>
+            </a:endParaRPr>
+          </a:p>
+          <a:p>
+            <a:r>
+              <a:t>φ(n) = (p-1)(q-1)</a:t>
+            </a:r>
           </a:p>
         </p:txBody>
       </p:sp>
@@ -6006,245 +6378,242 @@
         <p:cNvGrpSpPr/>
         <p:nvPr/>
       </p:nvGrpSpPr>
-      <p:grpSpPr>
-        <a:xfrm>
-          <a:off x="0" y="0"/>
-          <a:ext cx="0" cy="0"/>
-          <a:chOff x="0" y="0"/>
-          <a:chExt cx="0" cy="0"/>
-        </a:xfrm>
-      </p:grpSpPr>
-      <p:sp>
-        <p:nvSpPr>
-          <p:cNvPr id="2" name="标题 1"/>
-          <p:cNvSpPr>
-            <a:spLocks noGrp="1"/>
-          </p:cNvSpPr>
-          <p:nvPr>
-            <p:ph type="title"/>
+      <p:grpSpPr/>
+      <p:sp>
+        <p:nvSpPr>
+          <p:cNvPr id="3" name="内容占位符 2"/>
+          <p:cNvSpPr>
+            <a:spLocks noGrp="1"/>
+          </p:cNvSpPr>
+          <p:nvPr>
+            <p:ph idx="1"/>
           </p:nvPr>
         </p:nvSpPr>
         <p:spPr/>
         <p:txBody>
           <a:bodyPr/>
-          <a:lstStyle/>
-          <a:p>
-            <a:r>
-              <a:rPr lang="zh-CN" altLang="en-US" dirty="0">
-                <a:latin typeface="宋体" panose="02010600030101010101" pitchFamily="2" charset="-122"/>
-                <a:ea typeface="宋体" panose="02010600030101010101" pitchFamily="2" charset="-122"/>
-              </a:rPr>
-              <a:t>技术</a:t>
-            </a:r>
-            <a:r>
-              <a:rPr lang="zh-CN" altLang="en-US" dirty="0">
-                <a:latin typeface="宋体" panose="02010600030101010101" pitchFamily="2" charset="-122"/>
-                <a:ea typeface="宋体" panose="02010600030101010101" pitchFamily="2" charset="-122"/>
-              </a:rPr>
-              <a:t>要点</a:t>
-            </a:r>
-            <a:endParaRPr lang="zh-CN" altLang="en-US" dirty="0">
+          <a:p>
+            <a:endParaRPr lang="zh-CN" altLang="en-US">
+              <a:solidFill>
+                <a:srgbClr val="FF0000"/>
+              </a:solidFill>
+            </a:endParaRPr>
+          </a:p>
+          <a:p>
+            <a:r>
+              <a:rPr lang="zh-CN">
+                <a:latin typeface="宋体" panose="02010600030101010101" pitchFamily="2" charset="-122"/>
+                <a:ea typeface="宋体" panose="02010600030101010101" pitchFamily="2" charset="-122"/>
+                <a:cs typeface="宋体" panose="02010600030101010101" pitchFamily="2" charset="-122"/>
+              </a:rPr>
+              <a:t>找两个不相等的质数</a:t>
+            </a:r>
+            <a:r>
+              <a:rPr lang="en-US" altLang="zh-CN">
+                <a:latin typeface="宋体" panose="02010600030101010101" pitchFamily="2" charset="-122"/>
+                <a:ea typeface="宋体" panose="02010600030101010101" pitchFamily="2" charset="-122"/>
+                <a:cs typeface="宋体" panose="02010600030101010101" pitchFamily="2" charset="-122"/>
+              </a:rPr>
+              <a:t>p</a:t>
+            </a:r>
+            <a:r>
+              <a:rPr lang="zh-CN" altLang="en-US">
+                <a:latin typeface="宋体" panose="02010600030101010101" pitchFamily="2" charset="-122"/>
+                <a:ea typeface="宋体" panose="02010600030101010101" pitchFamily="2" charset="-122"/>
+                <a:cs typeface="宋体" panose="02010600030101010101" pitchFamily="2" charset="-122"/>
+              </a:rPr>
+              <a:t>和</a:t>
+            </a:r>
+            <a:r>
+              <a:rPr lang="en-US" altLang="zh-CN">
+                <a:latin typeface="宋体" panose="02010600030101010101" pitchFamily="2" charset="-122"/>
+                <a:ea typeface="宋体" panose="02010600030101010101" pitchFamily="2" charset="-122"/>
+                <a:cs typeface="宋体" panose="02010600030101010101" pitchFamily="2" charset="-122"/>
+              </a:rPr>
+              <a:t>q</a:t>
+            </a:r>
+            <a:r>
+              <a:rPr lang="zh-CN" altLang="en-US">
+                <a:latin typeface="宋体" panose="02010600030101010101" pitchFamily="2" charset="-122"/>
+                <a:ea typeface="宋体" panose="02010600030101010101" pitchFamily="2" charset="-122"/>
+                <a:cs typeface="宋体" panose="02010600030101010101" pitchFamily="2" charset="-122"/>
+              </a:rPr>
+              <a:t>，</a:t>
+            </a:r>
+            <a:r>
+              <a:rPr lang="en-US" altLang="zh-CN">
+                <a:latin typeface="宋体" panose="02010600030101010101" pitchFamily="2" charset="-122"/>
+                <a:ea typeface="宋体" panose="02010600030101010101" pitchFamily="2" charset="-122"/>
+                <a:cs typeface="宋体" panose="02010600030101010101" pitchFamily="2" charset="-122"/>
+              </a:rPr>
+              <a:t>n=p*q,</a:t>
+            </a:r>
+            <a:r>
+              <a:rPr>
+                <a:sym typeface="+mn-ea"/>
+              </a:rPr>
+              <a:t>φ(n) = (p-1)(q-1)</a:t>
+            </a:r>
+            <a:endParaRPr>
+              <a:sym typeface="+mn-ea"/>
+            </a:endParaRPr>
+          </a:p>
+          <a:p>
+            <a:r>
+              <a:rPr lang="en-US" altLang="zh-CN">
+                <a:latin typeface="宋体" panose="02010600030101010101" pitchFamily="2" charset="-122"/>
+                <a:ea typeface="宋体" panose="02010600030101010101" pitchFamily="2" charset="-122"/>
+                <a:cs typeface="宋体" panose="02010600030101010101" pitchFamily="2" charset="-122"/>
+              </a:rPr>
+              <a:t>随机选择一个整数e，条件是1&lt; e &lt; φ(n)，且e与φ(n) 互质,</a:t>
+            </a:r>
+            <a:r>
+              <a:rPr lang="zh-CN" altLang="en-US">
+                <a:latin typeface="宋体" panose="02010600030101010101" pitchFamily="2" charset="-122"/>
+                <a:ea typeface="宋体" panose="02010600030101010101" pitchFamily="2" charset="-122"/>
+                <a:cs typeface="宋体" panose="02010600030101010101" pitchFamily="2" charset="-122"/>
+              </a:rPr>
+              <a:t>计算</a:t>
+            </a:r>
+            <a:r>
+              <a:rPr>
+                <a:latin typeface="宋体" panose="02010600030101010101" pitchFamily="2" charset="-122"/>
+                <a:ea typeface="宋体" panose="02010600030101010101" pitchFamily="2" charset="-122"/>
+                <a:cs typeface="宋体" panose="02010600030101010101" pitchFamily="2" charset="-122"/>
+              </a:rPr>
+              <a:t>e对于φ(n)的模反元素d</a:t>
+            </a:r>
+            <a:r>
+              <a:rPr lang="zh-CN">
+                <a:latin typeface="宋体" panose="02010600030101010101" pitchFamily="2" charset="-122"/>
+                <a:ea typeface="宋体" panose="02010600030101010101" pitchFamily="2" charset="-122"/>
+                <a:cs typeface="宋体" panose="02010600030101010101" pitchFamily="2" charset="-122"/>
+              </a:rPr>
+              <a:t>，即：ed ≡ 1 (mod φ(n))</a:t>
+            </a:r>
+            <a:endParaRPr lang="zh-CN">
               <a:latin typeface="宋体" panose="02010600030101010101" pitchFamily="2" charset="-122"/>
               <a:ea typeface="宋体" panose="02010600030101010101" pitchFamily="2" charset="-122"/>
+              <a:cs typeface="宋体" panose="02010600030101010101" pitchFamily="2" charset="-122"/>
             </a:endParaRPr>
           </a:p>
-        </p:txBody>
-      </p:sp>
-      <p:sp>
-        <p:nvSpPr>
-          <p:cNvPr id="3" name="文本框 2"/>
-          <p:cNvSpPr txBox="1"/>
-          <p:nvPr/>
-        </p:nvSpPr>
-        <p:spPr>
-          <a:xfrm>
-            <a:off x="1783080" y="2921635"/>
-            <a:ext cx="4436745" cy="1753235"/>
-          </a:xfrm>
-          <a:prstGeom prst="rect">
-            <a:avLst/>
-          </a:prstGeom>
-          <a:noFill/>
-        </p:spPr>
-        <p:txBody>
-          <a:bodyPr wrap="square" rtlCol="0" anchor="t">
-            <a:spAutoFit/>
-          </a:bodyPr>
-          <a:p>
+          <a:p>
+            <a:pPr marL="0" indent="0">
+              <a:buNone/>
+            </a:pPr>
             <a:r>
               <a:rPr lang="en-US" altLang="zh-CN">
                 <a:latin typeface="宋体" panose="02010600030101010101" pitchFamily="2" charset="-122"/>
                 <a:ea typeface="宋体" panose="02010600030101010101" pitchFamily="2" charset="-122"/>
-              </a:rPr>
-              <a:t>pom</a:t>
+                <a:cs typeface="宋体" panose="02010600030101010101" pitchFamily="2" charset="-122"/>
+              </a:rPr>
+              <a:t>		(</a:t>
+            </a:r>
+            <a:r>
+              <a:rPr lang="zh-CN">
+                <a:latin typeface="宋体" panose="02010600030101010101" pitchFamily="2" charset="-122"/>
+                <a:ea typeface="宋体" panose="02010600030101010101" pitchFamily="2" charset="-122"/>
+                <a:cs typeface="宋体" panose="02010600030101010101" pitchFamily="2" charset="-122"/>
+              </a:rPr>
+              <a:t>n</a:t>
+            </a:r>
+            <a:r>
+              <a:rPr lang="en-US" altLang="zh-CN">
+                <a:latin typeface="宋体" panose="02010600030101010101" pitchFamily="2" charset="-122"/>
+                <a:ea typeface="宋体" panose="02010600030101010101" pitchFamily="2" charset="-122"/>
+                <a:cs typeface="宋体" panose="02010600030101010101" pitchFamily="2" charset="-122"/>
+              </a:rPr>
+              <a:t>,</a:t>
+            </a:r>
+            <a:r>
+              <a:rPr lang="zh-CN">
+                <a:latin typeface="宋体" panose="02010600030101010101" pitchFamily="2" charset="-122"/>
+                <a:ea typeface="宋体" panose="02010600030101010101" pitchFamily="2" charset="-122"/>
+                <a:cs typeface="宋体" panose="02010600030101010101" pitchFamily="2" charset="-122"/>
+              </a:rPr>
+              <a:t>e</a:t>
+            </a:r>
+            <a:r>
+              <a:rPr lang="en-US" altLang="zh-CN">
+                <a:latin typeface="宋体" panose="02010600030101010101" pitchFamily="2" charset="-122"/>
+                <a:ea typeface="宋体" panose="02010600030101010101" pitchFamily="2" charset="-122"/>
+                <a:cs typeface="宋体" panose="02010600030101010101" pitchFamily="2" charset="-122"/>
+              </a:rPr>
+              <a:t>)</a:t>
             </a:r>
             <a:r>
               <a:rPr lang="zh-CN" altLang="en-US">
                 <a:latin typeface="宋体" panose="02010600030101010101" pitchFamily="2" charset="-122"/>
                 <a:ea typeface="宋体" panose="02010600030101010101" pitchFamily="2" charset="-122"/>
-              </a:rPr>
-              <a:t>：为什么不是</a:t>
-            </a:r>
-            <a:r>
-              <a:rPr lang="en-US" altLang="zh-CN">
-                <a:latin typeface="宋体" panose="02010600030101010101" pitchFamily="2" charset="-122"/>
-                <a:ea typeface="宋体" panose="02010600030101010101" pitchFamily="2" charset="-122"/>
-              </a:rPr>
-              <a:t>springdata</a:t>
-            </a:r>
-            <a:endParaRPr lang="zh-CN" altLang="en-US">
+                <a:cs typeface="宋体" panose="02010600030101010101" pitchFamily="2" charset="-122"/>
+              </a:rPr>
+              <a:t>是</a:t>
+            </a:r>
+            <a:r>
+              <a:rPr lang="zh-CN">
+                <a:latin typeface="宋体" panose="02010600030101010101" pitchFamily="2" charset="-122"/>
+                <a:ea typeface="宋体" panose="02010600030101010101" pitchFamily="2" charset="-122"/>
+                <a:cs typeface="宋体" panose="02010600030101010101" pitchFamily="2" charset="-122"/>
+              </a:rPr>
+              <a:t>公钥，（n，d）封是</a:t>
+            </a:r>
+            <a:r>
+              <a:rPr lang="zh-CN">
+                <a:latin typeface="宋体" panose="02010600030101010101" pitchFamily="2" charset="-122"/>
+                <a:ea typeface="宋体" panose="02010600030101010101" pitchFamily="2" charset="-122"/>
+                <a:cs typeface="宋体" panose="02010600030101010101" pitchFamily="2" charset="-122"/>
+              </a:rPr>
+              <a:t>是私钥</a:t>
+            </a:r>
+            <a:endParaRPr lang="zh-CN">
               <a:latin typeface="宋体" panose="02010600030101010101" pitchFamily="2" charset="-122"/>
               <a:ea typeface="宋体" panose="02010600030101010101" pitchFamily="2" charset="-122"/>
+              <a:cs typeface="宋体" panose="02010600030101010101" pitchFamily="2" charset="-122"/>
             </a:endParaRPr>
           </a:p>
           <a:p>
-            <a:r>
-              <a:rPr lang="zh-CN" altLang="en-US">
-                <a:latin typeface="宋体" panose="02010600030101010101" pitchFamily="2" charset="-122"/>
-                <a:ea typeface="宋体" panose="02010600030101010101" pitchFamily="2" charset="-122"/>
-              </a:rPr>
-              <a:t>实体</a:t>
-            </a:r>
-            <a:endParaRPr lang="zh-CN" altLang="en-US">
+            <a:endParaRPr>
               <a:latin typeface="宋体" panose="02010600030101010101" pitchFamily="2" charset="-122"/>
               <a:ea typeface="宋体" panose="02010600030101010101" pitchFamily="2" charset="-122"/>
+              <a:cs typeface="宋体" panose="02010600030101010101" pitchFamily="2" charset="-122"/>
             </a:endParaRPr>
           </a:p>
           <a:p>
-            <a:r>
-              <a:rPr lang="zh-CN" altLang="en-US">
-                <a:latin typeface="宋体" panose="02010600030101010101" pitchFamily="2" charset="-122"/>
-                <a:ea typeface="宋体" panose="02010600030101010101" pitchFamily="2" charset="-122"/>
-              </a:rPr>
-              <a:t>应用接口：</a:t>
-            </a:r>
-            <a:r>
-              <a:rPr lang="en-US" altLang="zh-CN">
-                <a:latin typeface="宋体" panose="02010600030101010101" pitchFamily="2" charset="-122"/>
-                <a:ea typeface="宋体" panose="02010600030101010101" pitchFamily="2" charset="-122"/>
-              </a:rPr>
-              <a:t>Mapper</a:t>
-            </a:r>
-            <a:r>
-              <a:rPr lang="zh-CN" altLang="en-US">
-                <a:latin typeface="宋体" panose="02010600030101010101" pitchFamily="2" charset="-122"/>
-                <a:ea typeface="宋体" panose="02010600030101010101" pitchFamily="2" charset="-122"/>
-              </a:rPr>
-              <a:t>类</a:t>
-            </a:r>
-            <a:endParaRPr lang="zh-CN" altLang="en-US">
+            <a:endParaRPr lang="en-US" altLang="zh-CN">
               <a:latin typeface="宋体" panose="02010600030101010101" pitchFamily="2" charset="-122"/>
               <a:ea typeface="宋体" panose="02010600030101010101" pitchFamily="2" charset="-122"/>
+              <a:cs typeface="宋体" panose="02010600030101010101" pitchFamily="2" charset="-122"/>
             </a:endParaRPr>
           </a:p>
           <a:p>
-            <a:r>
-              <a:rPr lang="zh-CN" altLang="en-US">
-                <a:latin typeface="宋体" panose="02010600030101010101" pitchFamily="2" charset="-122"/>
-                <a:ea typeface="宋体" panose="02010600030101010101" pitchFamily="2" charset="-122"/>
-              </a:rPr>
-              <a:t>映射</a:t>
-            </a:r>
-            <a:r>
-              <a:rPr lang="zh-CN" altLang="en-US">
-                <a:latin typeface="宋体" panose="02010600030101010101" pitchFamily="2" charset="-122"/>
-                <a:ea typeface="宋体" panose="02010600030101010101" pitchFamily="2" charset="-122"/>
-              </a:rPr>
-              <a:t>文件</a:t>
-            </a:r>
-            <a:endParaRPr lang="zh-CN" altLang="en-US">
+            <a:endParaRPr lang="en-US" altLang="zh-CN">
               <a:latin typeface="宋体" panose="02010600030101010101" pitchFamily="2" charset="-122"/>
               <a:ea typeface="宋体" panose="02010600030101010101" pitchFamily="2" charset="-122"/>
+              <a:cs typeface="宋体" panose="02010600030101010101" pitchFamily="2" charset="-122"/>
             </a:endParaRPr>
           </a:p>
           <a:p>
-            <a:r>
-              <a:rPr lang="en-US" altLang="zh-CN">
-                <a:latin typeface="宋体" panose="02010600030101010101" pitchFamily="2" charset="-122"/>
-                <a:ea typeface="宋体" panose="02010600030101010101" pitchFamily="2" charset="-122"/>
-              </a:rPr>
-              <a:t>starter</a:t>
-            </a:r>
-            <a:r>
-              <a:rPr lang="zh-CN" altLang="en-US">
-                <a:latin typeface="宋体" panose="02010600030101010101" pitchFamily="2" charset="-122"/>
-                <a:ea typeface="宋体" panose="02010600030101010101" pitchFamily="2" charset="-122"/>
-              </a:rPr>
-              <a:t>中</a:t>
-            </a:r>
-            <a:r>
-              <a:rPr lang="en-US" altLang="zh-CN">
-                <a:latin typeface="宋体" panose="02010600030101010101" pitchFamily="2" charset="-122"/>
-                <a:ea typeface="宋体" panose="02010600030101010101" pitchFamily="2" charset="-122"/>
-              </a:rPr>
-              <a:t>mapper</a:t>
-            </a:r>
-            <a:r>
-              <a:rPr lang="zh-CN" altLang="en-US">
-                <a:latin typeface="宋体" panose="02010600030101010101" pitchFamily="2" charset="-122"/>
-                <a:ea typeface="宋体" panose="02010600030101010101" pitchFamily="2" charset="-122"/>
-              </a:rPr>
-              <a:t>文件和</a:t>
-            </a:r>
-            <a:r>
-              <a:rPr lang="en-US" altLang="zh-CN">
-                <a:latin typeface="宋体" panose="02010600030101010101" pitchFamily="2" charset="-122"/>
-                <a:ea typeface="宋体" panose="02010600030101010101" pitchFamily="2" charset="-122"/>
-              </a:rPr>
-              <a:t>db</a:t>
-            </a:r>
-            <a:r>
-              <a:rPr lang="zh-CN" altLang="en-US">
-                <a:latin typeface="宋体" panose="02010600030101010101" pitchFamily="2" charset="-122"/>
-                <a:ea typeface="宋体" panose="02010600030101010101" pitchFamily="2" charset="-122"/>
-              </a:rPr>
-              <a:t>脚本的</a:t>
-            </a:r>
-            <a:r>
-              <a:rPr lang="zh-CN" altLang="en-US">
-                <a:latin typeface="宋体" panose="02010600030101010101" pitchFamily="2" charset="-122"/>
-                <a:ea typeface="宋体" panose="02010600030101010101" pitchFamily="2" charset="-122"/>
-              </a:rPr>
-              <a:t>位置</a:t>
-            </a:r>
-            <a:endParaRPr lang="zh-CN" altLang="en-US">
+            <a:endParaRPr lang="en-US" altLang="zh-CN">
               <a:latin typeface="宋体" panose="02010600030101010101" pitchFamily="2" charset="-122"/>
               <a:ea typeface="宋体" panose="02010600030101010101" pitchFamily="2" charset="-122"/>
+              <a:cs typeface="宋体" panose="02010600030101010101" pitchFamily="2" charset="-122"/>
             </a:endParaRPr>
           </a:p>
-          <a:p>
-            <a:r>
-              <a:rPr lang="en-US" altLang="zh-CN">
-                <a:latin typeface="宋体" panose="02010600030101010101" pitchFamily="2" charset="-122"/>
-                <a:ea typeface="宋体" panose="02010600030101010101" pitchFamily="2" charset="-122"/>
-              </a:rPr>
-              <a:t>application</a:t>
-            </a:r>
-            <a:r>
-              <a:rPr lang="zh-CN" altLang="en-US">
-                <a:latin typeface="宋体" panose="02010600030101010101" pitchFamily="2" charset="-122"/>
-                <a:ea typeface="宋体" panose="02010600030101010101" pitchFamily="2" charset="-122"/>
-              </a:rPr>
-              <a:t>类指定</a:t>
-            </a:r>
-            <a:r>
-              <a:rPr lang="en-US" altLang="zh-CN">
-                <a:latin typeface="宋体" panose="02010600030101010101" pitchFamily="2" charset="-122"/>
-                <a:ea typeface="宋体" panose="02010600030101010101" pitchFamily="2" charset="-122"/>
-              </a:rPr>
-              <a:t>mapper</a:t>
-            </a:r>
-            <a:r>
-              <a:rPr lang="zh-CN" altLang="en-US">
-                <a:latin typeface="宋体" panose="02010600030101010101" pitchFamily="2" charset="-122"/>
-                <a:ea typeface="宋体" panose="02010600030101010101" pitchFamily="2" charset="-122"/>
-              </a:rPr>
-              <a:t>位置</a:t>
-            </a:r>
-            <a:endParaRPr lang="zh-CN" altLang="en-US">
-              <a:latin typeface="宋体" panose="02010600030101010101" pitchFamily="2" charset="-122"/>
-              <a:ea typeface="宋体" panose="02010600030101010101" pitchFamily="2" charset="-122"/>
-            </a:endParaRPr>
+        </p:txBody>
+      </p:sp>
+      <p:sp>
+        <p:nvSpPr>
+          <p:cNvPr id="4" name="标题 3"/>
+          <p:cNvSpPr/>
+          <p:nvPr>
+            <p:ph type="title"/>
+          </p:nvPr>
+        </p:nvSpPr>
+        <p:spPr/>
+        <p:txBody>
+          <a:bodyPr/>
+          <a:p>
+            <a:endParaRPr lang="zh-CN" altLang="en-US"/>
           </a:p>
         </p:txBody>
       </p:sp>
@@ -6285,9 +6654,7 @@
         </p:nvSpPr>
         <p:spPr/>
         <p:txBody>
-          <a:bodyPr>
-            <a:normAutofit fontScale="90000"/>
-          </a:bodyPr>
+          <a:bodyPr/>
           <a:lstStyle/>
           <a:p>
             <a:r>
@@ -6295,29 +6662,16 @@
                 <a:latin typeface="宋体" panose="02010600030101010101" pitchFamily="2" charset="-122"/>
                 <a:ea typeface="宋体" panose="02010600030101010101" pitchFamily="2" charset="-122"/>
               </a:rPr>
-              <a:t>安全基础与</a:t>
-            </a:r>
-            <a:r>
-              <a:rPr lang="en-US" altLang="zh-CN" dirty="0">
-                <a:latin typeface="宋体" panose="02010600030101010101" pitchFamily="2" charset="-122"/>
-                <a:ea typeface="宋体" panose="02010600030101010101" pitchFamily="2" charset="-122"/>
-              </a:rPr>
-              <a:t>ssl</a:t>
+              <a:t>技术</a:t>
             </a:r>
             <a:r>
               <a:rPr lang="zh-CN" altLang="en-US" dirty="0">
                 <a:latin typeface="宋体" panose="02010600030101010101" pitchFamily="2" charset="-122"/>
                 <a:ea typeface="宋体" panose="02010600030101010101" pitchFamily="2" charset="-122"/>
               </a:rPr>
-              <a:t>配置</a:t>
-            </a:r>
-            <a:br>
-              <a:rPr lang="en-US" altLang="zh-CN" dirty="0">
-                <a:latin typeface="宋体" panose="02010600030101010101" pitchFamily="2" charset="-122"/>
-                <a:ea typeface="宋体" panose="02010600030101010101" pitchFamily="2" charset="-122"/>
-              </a:rPr>
-            </a:br>
-            <a:endParaRPr lang="en-US" altLang="zh-CN" dirty="0">
+              <a:t>要点</a:t>
+            </a:r>
+            <a:endParaRPr lang="zh-CN" altLang="en-US" dirty="0">
               <a:latin typeface="宋体" panose="02010600030101010101" pitchFamily="2" charset="-122"/>
               <a:ea typeface="宋体" panose="02010600030101010101" pitchFamily="2" charset="-122"/>
             </a:endParaRPr>
@@ -6332,8 +6686,8 @@
         </p:nvSpPr>
         <p:spPr>
           <a:xfrm>
-            <a:off x="1623060" y="2898775"/>
-            <a:ext cx="4436745" cy="368300"/>
+            <a:off x="1783080" y="2921635"/>
+            <a:ext cx="4436745" cy="922020"/>
           </a:xfrm>
           <a:prstGeom prst="rect">
             <a:avLst/>
@@ -6346,71 +6700,2043 @@
           </a:bodyPr>
           <a:p>
             <a:r>
-              <a:rPr lang="zh-CN" altLang="en-US">
-                <a:latin typeface="宋体" panose="02010600030101010101" pitchFamily="2" charset="-122"/>
-                <a:ea typeface="宋体" panose="02010600030101010101" pitchFamily="2" charset="-122"/>
-              </a:rPr>
-              <a:t>正确的方法</a:t>
-            </a:r>
-            <a:endParaRPr lang="zh-CN" altLang="en-US">
+              <a:rPr>
+                <a:latin typeface="宋体" panose="02010600030101010101" pitchFamily="2" charset="-122"/>
+                <a:ea typeface="宋体" panose="02010600030101010101" pitchFamily="2" charset="-122"/>
+              </a:rPr>
+              <a:t>m</a:t>
+            </a:r>
+            <a:r>
+              <a:rPr baseline="30000">
+                <a:latin typeface="宋体" panose="02010600030101010101" pitchFamily="2" charset="-122"/>
+                <a:ea typeface="宋体" panose="02010600030101010101" pitchFamily="2" charset="-122"/>
+              </a:rPr>
+              <a:t>e</a:t>
+            </a:r>
+            <a:r>
+              <a:rPr>
+                <a:latin typeface="宋体" panose="02010600030101010101" pitchFamily="2" charset="-122"/>
+                <a:ea typeface="宋体" panose="02010600030101010101" pitchFamily="2" charset="-122"/>
+              </a:rPr>
+              <a:t> ≡ c (mod n)</a:t>
+            </a:r>
+            <a:endParaRPr>
               <a:latin typeface="宋体" panose="02010600030101010101" pitchFamily="2" charset="-122"/>
               <a:ea typeface="宋体" panose="02010600030101010101" pitchFamily="2" charset="-122"/>
             </a:endParaRPr>
           </a:p>
-        </p:txBody>
-      </p:sp>
-      <p:pic>
-        <p:nvPicPr>
-          <p:cNvPr id="101" name="图片 100"/>
-          <p:cNvPicPr/>
+          <a:p>
+            <a:endParaRPr>
+              <a:latin typeface="宋体" panose="02010600030101010101" pitchFamily="2" charset="-122"/>
+              <a:ea typeface="宋体" panose="02010600030101010101" pitchFamily="2" charset="-122"/>
+            </a:endParaRPr>
+          </a:p>
+          <a:p>
+            <a:r>
+              <a:rPr>
+                <a:latin typeface="宋体" panose="02010600030101010101" pitchFamily="2" charset="-122"/>
+                <a:ea typeface="宋体" panose="02010600030101010101" pitchFamily="2" charset="-122"/>
+              </a:rPr>
+              <a:t>c</a:t>
+            </a:r>
+            <a:r>
+              <a:rPr baseline="30000">
+                <a:latin typeface="宋体" panose="02010600030101010101" pitchFamily="2" charset="-122"/>
+                <a:ea typeface="宋体" panose="02010600030101010101" pitchFamily="2" charset="-122"/>
+              </a:rPr>
+              <a:t>d</a:t>
+            </a:r>
+            <a:r>
+              <a:rPr>
+                <a:latin typeface="宋体" panose="02010600030101010101" pitchFamily="2" charset="-122"/>
+                <a:ea typeface="宋体" panose="02010600030101010101" pitchFamily="2" charset="-122"/>
+              </a:rPr>
+              <a:t> ≡ m (mod n)</a:t>
+            </a:r>
+            <a:endParaRPr>
+              <a:latin typeface="宋体" panose="02010600030101010101" pitchFamily="2" charset="-122"/>
+              <a:ea typeface="宋体" panose="02010600030101010101" pitchFamily="2" charset="-122"/>
+            </a:endParaRPr>
+          </a:p>
+        </p:txBody>
+      </p:sp>
+    </p:spTree>
+  </p:cSld>
+  <p:clrMapOvr>
+    <a:masterClrMapping/>
+  </p:clrMapOvr>
+</p:sld>
+</file>
+
+<file path=ppt/slides/slide5.xml><?xml version="1.0" encoding="utf-8"?>
+<p:sld xmlns:a="http://schemas.openxmlformats.org/drawingml/2006/main" xmlns:r="http://schemas.openxmlformats.org/officeDocument/2006/relationships" xmlns:p="http://schemas.openxmlformats.org/presentationml/2006/main">
+  <p:cSld>
+    <p:spTree>
+      <p:nvGrpSpPr>
+        <p:cNvPr id="1" name=""/>
+        <p:cNvGrpSpPr/>
+        <p:nvPr/>
+      </p:nvGrpSpPr>
+      <p:grpSpPr>
+        <a:xfrm>
+          <a:off x="0" y="0"/>
+          <a:ext cx="0" cy="0"/>
+          <a:chOff x="0" y="0"/>
+          <a:chExt cx="0" cy="0"/>
+        </a:xfrm>
+      </p:grpSpPr>
+      <p:sp>
+        <p:nvSpPr>
+          <p:cNvPr id="2" name="标题 1"/>
+          <p:cNvSpPr>
+            <a:spLocks noGrp="1"/>
+          </p:cNvSpPr>
+          <p:nvPr>
+            <p:ph type="title"/>
+          </p:nvPr>
+        </p:nvSpPr>
+        <p:spPr/>
+        <p:txBody>
+          <a:bodyPr/>
+          <a:lstStyle/>
+          <a:p>
+            <a:r>
+              <a:rPr lang="zh-CN" altLang="en-US" dirty="0">
+                <a:latin typeface="宋体" panose="02010600030101010101" pitchFamily="2" charset="-122"/>
+                <a:ea typeface="宋体" panose="02010600030101010101" pitchFamily="2" charset="-122"/>
+              </a:rPr>
+              <a:t>技术</a:t>
+            </a:r>
+            <a:r>
+              <a:rPr lang="zh-CN" altLang="en-US" dirty="0">
+                <a:latin typeface="宋体" panose="02010600030101010101" pitchFamily="2" charset="-122"/>
+                <a:ea typeface="宋体" panose="02010600030101010101" pitchFamily="2" charset="-122"/>
+              </a:rPr>
+              <a:t>要点</a:t>
+            </a:r>
+            <a:endParaRPr lang="zh-CN" altLang="en-US" dirty="0">
+              <a:latin typeface="宋体" panose="02010600030101010101" pitchFamily="2" charset="-122"/>
+              <a:ea typeface="宋体" panose="02010600030101010101" pitchFamily="2" charset="-122"/>
+            </a:endParaRPr>
+          </a:p>
+        </p:txBody>
+      </p:sp>
+      <p:sp>
+        <p:nvSpPr>
+          <p:cNvPr id="3" name="文本框 2"/>
+          <p:cNvSpPr txBox="1"/>
           <p:nvPr/>
-        </p:nvPicPr>
-        <p:blipFill>
-          <a:blip r:embed="rId1" r:link="rId2"/>
-          <a:stretch>
-            <a:fillRect/>
-          </a:stretch>
-        </p:blipFill>
+        </p:nvSpPr>
         <p:spPr>
           <a:xfrm>
-            <a:off x="6096000" y="3429000"/>
-            <a:ext cx="0" cy="0"/>
+            <a:off x="1651635" y="2850515"/>
+            <a:ext cx="9548495" cy="3692525"/>
           </a:xfrm>
           <a:prstGeom prst="rect">
             <a:avLst/>
           </a:prstGeom>
           <a:noFill/>
-          <a:ln w="9525">
-            <a:noFill/>
-          </a:ln>
         </p:spPr>
-      </p:pic>
-      <p:pic>
-        <p:nvPicPr>
-          <p:cNvPr id="104" name="图片 103"/>
-          <p:cNvPicPr/>
+        <p:txBody>
+          <a:bodyPr wrap="square" rtlCol="0" anchor="t">
+            <a:spAutoFit/>
+          </a:bodyPr>
+          <a:p>
+            <a:r>
+              <a:rPr>
+                <a:latin typeface="宋体" panose="02010600030101010101" pitchFamily="2" charset="-122"/>
+                <a:ea typeface="宋体" panose="02010600030101010101" pitchFamily="2" charset="-122"/>
+              </a:rPr>
+              <a:t>m</a:t>
+            </a:r>
+            <a:r>
+              <a:rPr baseline="30000">
+                <a:latin typeface="宋体" panose="02010600030101010101" pitchFamily="2" charset="-122"/>
+                <a:ea typeface="宋体" panose="02010600030101010101" pitchFamily="2" charset="-122"/>
+              </a:rPr>
+              <a:t>e</a:t>
+            </a:r>
+            <a:r>
+              <a:rPr>
+                <a:latin typeface="宋体" panose="02010600030101010101" pitchFamily="2" charset="-122"/>
+                <a:ea typeface="宋体" panose="02010600030101010101" pitchFamily="2" charset="-122"/>
+              </a:rPr>
+              <a:t> ≡ c (mod n)</a:t>
+            </a:r>
+            <a:r>
+              <a:rPr lang="en-US">
+                <a:latin typeface="宋体" panose="02010600030101010101" pitchFamily="2" charset="-122"/>
+                <a:ea typeface="宋体" panose="02010600030101010101" pitchFamily="2" charset="-122"/>
+              </a:rPr>
+              <a:t>--&gt;c = m</a:t>
+            </a:r>
+            <a:r>
+              <a:rPr lang="en-US" baseline="30000">
+                <a:latin typeface="宋体" panose="02010600030101010101" pitchFamily="2" charset="-122"/>
+                <a:ea typeface="宋体" panose="02010600030101010101" pitchFamily="2" charset="-122"/>
+              </a:rPr>
+              <a:t>e</a:t>
+            </a:r>
+            <a:r>
+              <a:rPr lang="en-US">
+                <a:latin typeface="宋体" panose="02010600030101010101" pitchFamily="2" charset="-122"/>
+                <a:ea typeface="宋体" panose="02010600030101010101" pitchFamily="2" charset="-122"/>
+              </a:rPr>
+              <a:t> - kn--&gt;</a:t>
+            </a:r>
+            <a:r>
+              <a:rPr>
+                <a:latin typeface="宋体" panose="02010600030101010101" pitchFamily="2" charset="-122"/>
+                <a:ea typeface="宋体" panose="02010600030101010101" pitchFamily="2" charset="-122"/>
+                <a:sym typeface="+mn-ea"/>
+              </a:rPr>
+              <a:t>c</a:t>
+            </a:r>
+            <a:r>
+              <a:rPr baseline="30000">
+                <a:latin typeface="宋体" panose="02010600030101010101" pitchFamily="2" charset="-122"/>
+                <a:ea typeface="宋体" panose="02010600030101010101" pitchFamily="2" charset="-122"/>
+                <a:sym typeface="+mn-ea"/>
+              </a:rPr>
+              <a:t>d</a:t>
+            </a:r>
+            <a:r>
+              <a:rPr>
+                <a:latin typeface="宋体" panose="02010600030101010101" pitchFamily="2" charset="-122"/>
+                <a:ea typeface="宋体" panose="02010600030101010101" pitchFamily="2" charset="-122"/>
+                <a:sym typeface="+mn-ea"/>
+              </a:rPr>
+              <a:t> </a:t>
+            </a:r>
+            <a:r>
+              <a:rPr lang="en-US">
+                <a:latin typeface="宋体" panose="02010600030101010101" pitchFamily="2" charset="-122"/>
+                <a:ea typeface="宋体" panose="02010600030101010101" pitchFamily="2" charset="-122"/>
+                <a:sym typeface="+mn-ea"/>
+              </a:rPr>
+              <a:t>= </a:t>
+            </a:r>
+            <a:r>
+              <a:rPr lang="en-US">
+                <a:latin typeface="宋体" panose="02010600030101010101" pitchFamily="2" charset="-122"/>
+                <a:ea typeface="宋体" panose="02010600030101010101" pitchFamily="2" charset="-122"/>
+              </a:rPr>
+              <a:t>(</a:t>
+            </a:r>
+            <a:r>
+              <a:rPr lang="en-US">
+                <a:latin typeface="宋体" panose="02010600030101010101" pitchFamily="2" charset="-122"/>
+                <a:ea typeface="宋体" panose="02010600030101010101" pitchFamily="2" charset="-122"/>
+                <a:sym typeface="+mn-ea"/>
+              </a:rPr>
+              <a:t>m</a:t>
+            </a:r>
+            <a:r>
+              <a:rPr lang="en-US" baseline="30000">
+                <a:latin typeface="宋体" panose="02010600030101010101" pitchFamily="2" charset="-122"/>
+                <a:ea typeface="宋体" panose="02010600030101010101" pitchFamily="2" charset="-122"/>
+                <a:sym typeface="+mn-ea"/>
+              </a:rPr>
+              <a:t>e</a:t>
+            </a:r>
+            <a:r>
+              <a:rPr lang="en-US">
+                <a:latin typeface="宋体" panose="02010600030101010101" pitchFamily="2" charset="-122"/>
+                <a:ea typeface="宋体" panose="02010600030101010101" pitchFamily="2" charset="-122"/>
+                <a:sym typeface="+mn-ea"/>
+              </a:rPr>
+              <a:t> - kn</a:t>
+            </a:r>
+            <a:r>
+              <a:rPr lang="en-US">
+                <a:latin typeface="宋体" panose="02010600030101010101" pitchFamily="2" charset="-122"/>
+                <a:ea typeface="宋体" panose="02010600030101010101" pitchFamily="2" charset="-122"/>
+              </a:rPr>
+              <a:t>)</a:t>
+            </a:r>
+            <a:r>
+              <a:rPr lang="en-US" baseline="30000">
+                <a:latin typeface="宋体" panose="02010600030101010101" pitchFamily="2" charset="-122"/>
+                <a:ea typeface="宋体" panose="02010600030101010101" pitchFamily="2" charset="-122"/>
+              </a:rPr>
+              <a:t>d</a:t>
+            </a:r>
+            <a:r>
+              <a:rPr lang="en-US">
+                <a:latin typeface="宋体" panose="02010600030101010101" pitchFamily="2" charset="-122"/>
+                <a:ea typeface="宋体" panose="02010600030101010101" pitchFamily="2" charset="-122"/>
+              </a:rPr>
+              <a:t> =m</a:t>
+            </a:r>
+            <a:r>
+              <a:rPr lang="en-US" baseline="30000">
+                <a:latin typeface="宋体" panose="02010600030101010101" pitchFamily="2" charset="-122"/>
+                <a:ea typeface="宋体" panose="02010600030101010101" pitchFamily="2" charset="-122"/>
+              </a:rPr>
+              <a:t>ed</a:t>
+            </a:r>
+            <a:r>
+              <a:rPr lang="en-US">
+                <a:latin typeface="宋体" panose="02010600030101010101" pitchFamily="2" charset="-122"/>
+                <a:ea typeface="宋体" panose="02010600030101010101" pitchFamily="2" charset="-122"/>
+              </a:rPr>
+              <a:t> </a:t>
+            </a:r>
+            <a:r>
+              <a:rPr>
+                <a:latin typeface="宋体" panose="02010600030101010101" pitchFamily="2" charset="-122"/>
+                <a:ea typeface="宋体" panose="02010600030101010101" pitchFamily="2" charset="-122"/>
+                <a:sym typeface="+mn-ea"/>
+              </a:rPr>
+              <a:t>(mod n)</a:t>
+            </a:r>
+            <a:endParaRPr>
+              <a:latin typeface="宋体" panose="02010600030101010101" pitchFamily="2" charset="-122"/>
+              <a:ea typeface="宋体" panose="02010600030101010101" pitchFamily="2" charset="-122"/>
+              <a:sym typeface="+mn-ea"/>
+            </a:endParaRPr>
+          </a:p>
+          <a:p>
+            <a:r>
+              <a:rPr lang="zh-CN" altLang="en-US">
+                <a:latin typeface="宋体" panose="02010600030101010101" pitchFamily="2" charset="-122"/>
+                <a:ea typeface="宋体" panose="02010600030101010101" pitchFamily="2" charset="-122"/>
+              </a:rPr>
+              <a:t>别忘了：</a:t>
+            </a:r>
+            <a:r>
+              <a:rPr lang="zh-CN">
+                <a:latin typeface="宋体" panose="02010600030101010101" pitchFamily="2" charset="-122"/>
+                <a:ea typeface="宋体" panose="02010600030101010101" pitchFamily="2" charset="-122"/>
+                <a:cs typeface="宋体" panose="02010600030101010101" pitchFamily="2" charset="-122"/>
+                <a:sym typeface="+mn-ea"/>
+              </a:rPr>
+              <a:t>ed ≡ 1 (mod φ(n))，也就是</a:t>
+            </a:r>
+            <a:r>
+              <a:rPr lang="en-US" altLang="zh-CN">
+                <a:latin typeface="宋体" panose="02010600030101010101" pitchFamily="2" charset="-122"/>
+                <a:ea typeface="宋体" panose="02010600030101010101" pitchFamily="2" charset="-122"/>
+                <a:cs typeface="宋体" panose="02010600030101010101" pitchFamily="2" charset="-122"/>
+                <a:sym typeface="+mn-ea"/>
+              </a:rPr>
+              <a:t>ed - 1 = k</a:t>
+            </a:r>
+            <a:r>
+              <a:rPr lang="zh-CN">
+                <a:latin typeface="宋体" panose="02010600030101010101" pitchFamily="2" charset="-122"/>
+                <a:ea typeface="宋体" panose="02010600030101010101" pitchFamily="2" charset="-122"/>
+                <a:cs typeface="宋体" panose="02010600030101010101" pitchFamily="2" charset="-122"/>
+                <a:sym typeface="+mn-ea"/>
+              </a:rPr>
+              <a:t>φ(n)，</a:t>
+            </a:r>
+            <a:r>
+              <a:rPr lang="en-US" altLang="zh-CN">
+                <a:latin typeface="宋体" panose="02010600030101010101" pitchFamily="2" charset="-122"/>
+                <a:ea typeface="宋体" panose="02010600030101010101" pitchFamily="2" charset="-122"/>
+                <a:cs typeface="宋体" panose="02010600030101010101" pitchFamily="2" charset="-122"/>
+                <a:sym typeface="+mn-ea"/>
+              </a:rPr>
+              <a:t>ed = k</a:t>
+            </a:r>
+            <a:r>
+              <a:rPr lang="zh-CN">
+                <a:latin typeface="宋体" panose="02010600030101010101" pitchFamily="2" charset="-122"/>
+                <a:ea typeface="宋体" panose="02010600030101010101" pitchFamily="2" charset="-122"/>
+                <a:cs typeface="宋体" panose="02010600030101010101" pitchFamily="2" charset="-122"/>
+                <a:sym typeface="+mn-ea"/>
+              </a:rPr>
+              <a:t>φ(n)</a:t>
+            </a:r>
+            <a:r>
+              <a:rPr lang="en-US" altLang="zh-CN">
+                <a:latin typeface="宋体" panose="02010600030101010101" pitchFamily="2" charset="-122"/>
+                <a:ea typeface="宋体" panose="02010600030101010101" pitchFamily="2" charset="-122"/>
+                <a:cs typeface="宋体" panose="02010600030101010101" pitchFamily="2" charset="-122"/>
+                <a:sym typeface="+mn-ea"/>
+              </a:rPr>
+              <a:t> + 1, </a:t>
+            </a:r>
+            <a:r>
+              <a:rPr lang="zh-CN">
+                <a:latin typeface="宋体" panose="02010600030101010101" pitchFamily="2" charset="-122"/>
+                <a:ea typeface="宋体" panose="02010600030101010101" pitchFamily="2" charset="-122"/>
+                <a:cs typeface="宋体" panose="02010600030101010101" pitchFamily="2" charset="-122"/>
+                <a:sym typeface="+mn-ea"/>
+              </a:rPr>
+              <a:t>然后：</a:t>
+            </a:r>
+            <a:endParaRPr lang="zh-CN">
+              <a:latin typeface="宋体" panose="02010600030101010101" pitchFamily="2" charset="-122"/>
+              <a:ea typeface="宋体" panose="02010600030101010101" pitchFamily="2" charset="-122"/>
+              <a:cs typeface="宋体" panose="02010600030101010101" pitchFamily="2" charset="-122"/>
+              <a:sym typeface="+mn-ea"/>
+            </a:endParaRPr>
+          </a:p>
+          <a:p>
+            <a:r>
+              <a:rPr lang="en-US">
+                <a:latin typeface="宋体" panose="02010600030101010101" pitchFamily="2" charset="-122"/>
+                <a:ea typeface="宋体" panose="02010600030101010101" pitchFamily="2" charset="-122"/>
+                <a:sym typeface="+mn-ea"/>
+              </a:rPr>
+              <a:t>m</a:t>
+            </a:r>
+            <a:r>
+              <a:rPr lang="en-US" baseline="30000">
+                <a:latin typeface="宋体" panose="02010600030101010101" pitchFamily="2" charset="-122"/>
+                <a:ea typeface="宋体" panose="02010600030101010101" pitchFamily="2" charset="-122"/>
+                <a:sym typeface="+mn-ea"/>
+              </a:rPr>
+              <a:t>ed</a:t>
+            </a:r>
+            <a:r>
+              <a:rPr lang="en-US">
+                <a:latin typeface="宋体" panose="02010600030101010101" pitchFamily="2" charset="-122"/>
+                <a:ea typeface="宋体" panose="02010600030101010101" pitchFamily="2" charset="-122"/>
+                <a:sym typeface="+mn-ea"/>
+              </a:rPr>
+              <a:t> </a:t>
+            </a:r>
+            <a:r>
+              <a:rPr>
+                <a:latin typeface="宋体" panose="02010600030101010101" pitchFamily="2" charset="-122"/>
+                <a:ea typeface="宋体" panose="02010600030101010101" pitchFamily="2" charset="-122"/>
+                <a:sym typeface="+mn-ea"/>
+              </a:rPr>
+              <a:t>(mod n)</a:t>
+            </a:r>
+            <a:r>
+              <a:rPr lang="en-US">
+                <a:latin typeface="宋体" panose="02010600030101010101" pitchFamily="2" charset="-122"/>
+                <a:ea typeface="宋体" panose="02010600030101010101" pitchFamily="2" charset="-122"/>
+                <a:sym typeface="+mn-ea"/>
+              </a:rPr>
+              <a:t> = m</a:t>
+            </a:r>
+            <a:r>
+              <a:rPr lang="en-US" altLang="zh-CN" baseline="30000">
+                <a:latin typeface="宋体" panose="02010600030101010101" pitchFamily="2" charset="-122"/>
+                <a:ea typeface="宋体" panose="02010600030101010101" pitchFamily="2" charset="-122"/>
+                <a:cs typeface="宋体" panose="02010600030101010101" pitchFamily="2" charset="-122"/>
+                <a:sym typeface="+mn-ea"/>
+              </a:rPr>
+              <a:t>k</a:t>
+            </a:r>
+            <a:r>
+              <a:rPr lang="zh-CN" baseline="30000">
+                <a:latin typeface="宋体" panose="02010600030101010101" pitchFamily="2" charset="-122"/>
+                <a:ea typeface="宋体" panose="02010600030101010101" pitchFamily="2" charset="-122"/>
+                <a:cs typeface="宋体" panose="02010600030101010101" pitchFamily="2" charset="-122"/>
+                <a:sym typeface="+mn-ea"/>
+              </a:rPr>
+              <a:t>φ(n)</a:t>
+            </a:r>
+            <a:r>
+              <a:rPr lang="en-US" altLang="zh-CN" baseline="30000">
+                <a:latin typeface="宋体" panose="02010600030101010101" pitchFamily="2" charset="-122"/>
+                <a:ea typeface="宋体" panose="02010600030101010101" pitchFamily="2" charset="-122"/>
+                <a:cs typeface="宋体" panose="02010600030101010101" pitchFamily="2" charset="-122"/>
+                <a:sym typeface="+mn-ea"/>
+              </a:rPr>
+              <a:t> + 1</a:t>
+            </a:r>
+            <a:r>
+              <a:rPr>
+                <a:latin typeface="宋体" panose="02010600030101010101" pitchFamily="2" charset="-122"/>
+                <a:ea typeface="宋体" panose="02010600030101010101" pitchFamily="2" charset="-122"/>
+                <a:sym typeface="+mn-ea"/>
+              </a:rPr>
+              <a:t>(mod n)</a:t>
+            </a:r>
+            <a:endParaRPr>
+              <a:latin typeface="宋体" panose="02010600030101010101" pitchFamily="2" charset="-122"/>
+              <a:ea typeface="宋体" panose="02010600030101010101" pitchFamily="2" charset="-122"/>
+              <a:sym typeface="+mn-ea"/>
+            </a:endParaRPr>
+          </a:p>
+          <a:p>
+            <a:r>
+              <a:rPr lang="zh-CN" altLang="en-US">
+                <a:latin typeface="宋体" panose="02010600030101010101" pitchFamily="2" charset="-122"/>
+                <a:ea typeface="宋体" panose="02010600030101010101" pitchFamily="2" charset="-122"/>
+                <a:sym typeface="+mn-ea"/>
+              </a:rPr>
+              <a:t>到这里有关键一步：如果</a:t>
+            </a:r>
+            <a:r>
+              <a:rPr lang="en-US" altLang="zh-CN">
+                <a:latin typeface="宋体" panose="02010600030101010101" pitchFamily="2" charset="-122"/>
+                <a:ea typeface="宋体" panose="02010600030101010101" pitchFamily="2" charset="-122"/>
+                <a:sym typeface="+mn-ea"/>
+              </a:rPr>
+              <a:t>m</a:t>
+            </a:r>
+            <a:r>
+              <a:rPr lang="zh-CN" altLang="en-US">
+                <a:latin typeface="宋体" panose="02010600030101010101" pitchFamily="2" charset="-122"/>
+                <a:ea typeface="宋体" panose="02010600030101010101" pitchFamily="2" charset="-122"/>
+                <a:sym typeface="+mn-ea"/>
+              </a:rPr>
+              <a:t>、</a:t>
+            </a:r>
+            <a:r>
+              <a:rPr lang="en-US" altLang="zh-CN">
+                <a:latin typeface="宋体" panose="02010600030101010101" pitchFamily="2" charset="-122"/>
+                <a:ea typeface="宋体" panose="02010600030101010101" pitchFamily="2" charset="-122"/>
+                <a:sym typeface="+mn-ea"/>
+              </a:rPr>
+              <a:t>n</a:t>
+            </a:r>
+            <a:r>
+              <a:rPr lang="zh-CN" altLang="en-US">
+                <a:latin typeface="宋体" panose="02010600030101010101" pitchFamily="2" charset="-122"/>
+                <a:ea typeface="宋体" panose="02010600030101010101" pitchFamily="2" charset="-122"/>
+                <a:sym typeface="+mn-ea"/>
+              </a:rPr>
+              <a:t>互质，使用欧拉定理</a:t>
+            </a:r>
+            <a:r>
+              <a:rPr lang="en-US" altLang="zh-CN">
+                <a:latin typeface="宋体" panose="02010600030101010101" pitchFamily="2" charset="-122"/>
+                <a:ea typeface="宋体" panose="02010600030101010101" pitchFamily="2" charset="-122"/>
+                <a:sym typeface="+mn-ea"/>
+              </a:rPr>
+              <a:t>:　m</a:t>
+            </a:r>
+            <a:r>
+              <a:rPr lang="en-US" altLang="zh-CN" baseline="30000">
+                <a:latin typeface="宋体" panose="02010600030101010101" pitchFamily="2" charset="-122"/>
+                <a:ea typeface="宋体" panose="02010600030101010101" pitchFamily="2" charset="-122"/>
+                <a:sym typeface="+mn-ea"/>
+              </a:rPr>
+              <a:t>φ(n)</a:t>
+            </a:r>
+            <a:r>
+              <a:rPr lang="en-US" altLang="zh-CN">
+                <a:latin typeface="宋体" panose="02010600030101010101" pitchFamily="2" charset="-122"/>
+                <a:ea typeface="宋体" panose="02010600030101010101" pitchFamily="2" charset="-122"/>
+                <a:sym typeface="+mn-ea"/>
+              </a:rPr>
+              <a:t> ≡ 1 (mod n)--&gt;</a:t>
+            </a:r>
+            <a:r>
+              <a:rPr lang="en-US" altLang="zh-CN">
+                <a:latin typeface="宋体" panose="02010600030101010101" pitchFamily="2" charset="-122"/>
+                <a:ea typeface="宋体" panose="02010600030101010101" pitchFamily="2" charset="-122"/>
+                <a:sym typeface="+mn-ea"/>
+              </a:rPr>
+              <a:t>m</a:t>
+            </a:r>
+            <a:r>
+              <a:rPr lang="en-US" altLang="zh-CN" baseline="30000">
+                <a:latin typeface="宋体" panose="02010600030101010101" pitchFamily="2" charset="-122"/>
+                <a:ea typeface="宋体" panose="02010600030101010101" pitchFamily="2" charset="-122"/>
+                <a:sym typeface="+mn-ea"/>
+              </a:rPr>
+              <a:t>kφ(n)</a:t>
+            </a:r>
+            <a:r>
+              <a:rPr lang="en-US" altLang="zh-CN">
+                <a:latin typeface="宋体" panose="02010600030101010101" pitchFamily="2" charset="-122"/>
+                <a:ea typeface="宋体" panose="02010600030101010101" pitchFamily="2" charset="-122"/>
+                <a:sym typeface="+mn-ea"/>
+              </a:rPr>
+              <a:t> ≡ </a:t>
+            </a:r>
+            <a:r>
+              <a:rPr lang="zh-CN" altLang="en-US">
+                <a:latin typeface="宋体" panose="02010600030101010101" pitchFamily="2" charset="-122"/>
+                <a:ea typeface="宋体" panose="02010600030101010101" pitchFamily="2" charset="-122"/>
+                <a:sym typeface="+mn-ea"/>
+              </a:rPr>
+              <a:t>（</a:t>
+            </a:r>
+            <a:r>
+              <a:rPr lang="en-US" altLang="zh-CN">
+                <a:latin typeface="宋体" panose="02010600030101010101" pitchFamily="2" charset="-122"/>
+                <a:ea typeface="宋体" panose="02010600030101010101" pitchFamily="2" charset="-122"/>
+                <a:sym typeface="+mn-ea"/>
+              </a:rPr>
+              <a:t>m</a:t>
+            </a:r>
+            <a:r>
+              <a:rPr lang="en-US" altLang="zh-CN" baseline="30000">
+                <a:latin typeface="宋体" panose="02010600030101010101" pitchFamily="2" charset="-122"/>
+                <a:ea typeface="宋体" panose="02010600030101010101" pitchFamily="2" charset="-122"/>
+                <a:sym typeface="+mn-ea"/>
+              </a:rPr>
+              <a:t>φ(n)</a:t>
+            </a:r>
+            <a:r>
+              <a:rPr lang="zh-CN" altLang="en-US">
+                <a:latin typeface="宋体" panose="02010600030101010101" pitchFamily="2" charset="-122"/>
+                <a:ea typeface="宋体" panose="02010600030101010101" pitchFamily="2" charset="-122"/>
+                <a:sym typeface="+mn-ea"/>
+              </a:rPr>
+              <a:t>）</a:t>
+            </a:r>
+            <a:r>
+              <a:rPr lang="en-US" altLang="zh-CN" baseline="30000">
+                <a:latin typeface="宋体" panose="02010600030101010101" pitchFamily="2" charset="-122"/>
+                <a:ea typeface="宋体" panose="02010600030101010101" pitchFamily="2" charset="-122"/>
+                <a:sym typeface="+mn-ea"/>
+              </a:rPr>
+              <a:t>k </a:t>
+            </a:r>
+            <a:r>
+              <a:rPr lang="en-US" altLang="zh-CN">
+                <a:latin typeface="宋体" panose="02010600030101010101" pitchFamily="2" charset="-122"/>
+                <a:ea typeface="宋体" panose="02010600030101010101" pitchFamily="2" charset="-122"/>
+                <a:sym typeface="+mn-ea"/>
+              </a:rPr>
+              <a:t>≡ 1 (mod n)--</a:t>
+            </a:r>
+            <a:r>
+              <a:rPr lang="zh-CN" altLang="en-US">
+                <a:latin typeface="宋体" panose="02010600030101010101" pitchFamily="2" charset="-122"/>
+                <a:ea typeface="宋体" panose="02010600030101010101" pitchFamily="2" charset="-122"/>
+                <a:sym typeface="+mn-ea"/>
+              </a:rPr>
+              <a:t>》</a:t>
+            </a:r>
+            <a:r>
+              <a:rPr lang="en-US">
+                <a:latin typeface="宋体" panose="02010600030101010101" pitchFamily="2" charset="-122"/>
+                <a:ea typeface="宋体" panose="02010600030101010101" pitchFamily="2" charset="-122"/>
+                <a:sym typeface="+mn-ea"/>
+              </a:rPr>
+              <a:t> m</a:t>
+            </a:r>
+            <a:r>
+              <a:rPr lang="en-US" altLang="zh-CN" baseline="30000">
+                <a:latin typeface="宋体" panose="02010600030101010101" pitchFamily="2" charset="-122"/>
+                <a:ea typeface="宋体" panose="02010600030101010101" pitchFamily="2" charset="-122"/>
+                <a:cs typeface="宋体" panose="02010600030101010101" pitchFamily="2" charset="-122"/>
+                <a:sym typeface="+mn-ea"/>
+              </a:rPr>
+              <a:t>k</a:t>
+            </a:r>
+            <a:r>
+              <a:rPr lang="zh-CN" baseline="30000">
+                <a:latin typeface="宋体" panose="02010600030101010101" pitchFamily="2" charset="-122"/>
+                <a:ea typeface="宋体" panose="02010600030101010101" pitchFamily="2" charset="-122"/>
+                <a:cs typeface="宋体" panose="02010600030101010101" pitchFamily="2" charset="-122"/>
+                <a:sym typeface="+mn-ea"/>
+              </a:rPr>
+              <a:t>φ(n)</a:t>
+            </a:r>
+            <a:r>
+              <a:rPr lang="en-US" altLang="zh-CN" baseline="30000">
+                <a:latin typeface="宋体" panose="02010600030101010101" pitchFamily="2" charset="-122"/>
+                <a:ea typeface="宋体" panose="02010600030101010101" pitchFamily="2" charset="-122"/>
+                <a:cs typeface="宋体" panose="02010600030101010101" pitchFamily="2" charset="-122"/>
+                <a:sym typeface="+mn-ea"/>
+              </a:rPr>
+              <a:t> + 1</a:t>
+            </a:r>
+            <a:r>
+              <a:rPr>
+                <a:latin typeface="宋体" panose="02010600030101010101" pitchFamily="2" charset="-122"/>
+                <a:ea typeface="宋体" panose="02010600030101010101" pitchFamily="2" charset="-122"/>
+                <a:sym typeface="+mn-ea"/>
+              </a:rPr>
+              <a:t>(mod n)</a:t>
+            </a:r>
+            <a:r>
+              <a:rPr lang="en-US">
+                <a:latin typeface="宋体" panose="02010600030101010101" pitchFamily="2" charset="-122"/>
+                <a:ea typeface="宋体" panose="02010600030101010101" pitchFamily="2" charset="-122"/>
+                <a:sym typeface="+mn-ea"/>
+              </a:rPr>
+              <a:t> = m</a:t>
+            </a:r>
+            <a:r>
+              <a:rPr lang="zh-CN" altLang="en-US">
+                <a:latin typeface="宋体" panose="02010600030101010101" pitchFamily="2" charset="-122"/>
+                <a:ea typeface="宋体" panose="02010600030101010101" pitchFamily="2" charset="-122"/>
+                <a:sym typeface="+mn-ea"/>
+              </a:rPr>
+              <a:t>，也即：</a:t>
+            </a:r>
+            <a:endParaRPr lang="zh-CN" altLang="en-US">
+              <a:latin typeface="宋体" panose="02010600030101010101" pitchFamily="2" charset="-122"/>
+              <a:ea typeface="宋体" panose="02010600030101010101" pitchFamily="2" charset="-122"/>
+              <a:sym typeface="+mn-ea"/>
+            </a:endParaRPr>
+          </a:p>
+          <a:p>
+            <a:r>
+              <a:rPr lang="en-US" altLang="zh-CN">
+                <a:latin typeface="宋体" panose="02010600030101010101" pitchFamily="2" charset="-122"/>
+                <a:ea typeface="宋体" panose="02010600030101010101" pitchFamily="2" charset="-122"/>
+                <a:sym typeface="+mn-ea"/>
+              </a:rPr>
+              <a:t>				</a:t>
+            </a:r>
+            <a:r>
+              <a:rPr lang="en-US">
+                <a:latin typeface="宋体" panose="02010600030101010101" pitchFamily="2" charset="-122"/>
+                <a:ea typeface="宋体" panose="02010600030101010101" pitchFamily="2" charset="-122"/>
+                <a:sym typeface="+mn-ea"/>
+              </a:rPr>
+              <a:t>m</a:t>
+            </a:r>
+            <a:r>
+              <a:rPr lang="en-US" baseline="30000">
+                <a:latin typeface="宋体" panose="02010600030101010101" pitchFamily="2" charset="-122"/>
+                <a:ea typeface="宋体" panose="02010600030101010101" pitchFamily="2" charset="-122"/>
+                <a:sym typeface="+mn-ea"/>
+              </a:rPr>
+              <a:t>ed</a:t>
+            </a:r>
+            <a:r>
+              <a:rPr lang="en-US">
+                <a:latin typeface="宋体" panose="02010600030101010101" pitchFamily="2" charset="-122"/>
+                <a:ea typeface="宋体" panose="02010600030101010101" pitchFamily="2" charset="-122"/>
+                <a:sym typeface="+mn-ea"/>
+              </a:rPr>
+              <a:t> </a:t>
+            </a:r>
+            <a:r>
+              <a:rPr lang="en-US" altLang="zh-CN">
+                <a:latin typeface="宋体" panose="02010600030101010101" pitchFamily="2" charset="-122"/>
+                <a:ea typeface="宋体" panose="02010600030101010101" pitchFamily="2" charset="-122"/>
+                <a:sym typeface="+mn-ea"/>
+              </a:rPr>
+              <a:t>≡ m</a:t>
+            </a:r>
+            <a:r>
+              <a:rPr>
+                <a:latin typeface="宋体" panose="02010600030101010101" pitchFamily="2" charset="-122"/>
+                <a:ea typeface="宋体" panose="02010600030101010101" pitchFamily="2" charset="-122"/>
+                <a:sym typeface="+mn-ea"/>
+              </a:rPr>
+              <a:t>(mod n)</a:t>
+            </a:r>
+            <a:endParaRPr>
+              <a:latin typeface="宋体" panose="02010600030101010101" pitchFamily="2" charset="-122"/>
+              <a:ea typeface="宋体" panose="02010600030101010101" pitchFamily="2" charset="-122"/>
+              <a:sym typeface="+mn-ea"/>
+            </a:endParaRPr>
+          </a:p>
+          <a:p>
+            <a:r>
+              <a:rPr lang="zh-CN">
+                <a:latin typeface="宋体" panose="02010600030101010101" pitchFamily="2" charset="-122"/>
+                <a:ea typeface="宋体" panose="02010600030101010101" pitchFamily="2" charset="-122"/>
+                <a:sym typeface="+mn-ea"/>
+              </a:rPr>
+              <a:t>如果不互质，</a:t>
+            </a:r>
+            <a:r>
+              <a:rPr lang="en-US" altLang="zh-CN">
+                <a:latin typeface="宋体" panose="02010600030101010101" pitchFamily="2" charset="-122"/>
+                <a:ea typeface="宋体" panose="02010600030101010101" pitchFamily="2" charset="-122"/>
+                <a:sym typeface="+mn-ea"/>
+              </a:rPr>
+              <a:t>m</a:t>
+            </a:r>
+            <a:r>
+              <a:rPr lang="zh-CN" altLang="en-US">
+                <a:latin typeface="宋体" panose="02010600030101010101" pitchFamily="2" charset="-122"/>
+                <a:ea typeface="宋体" panose="02010600030101010101" pitchFamily="2" charset="-122"/>
+                <a:sym typeface="+mn-ea"/>
+              </a:rPr>
+              <a:t>分解之后使用欧拉定理，结论仍然成立</a:t>
+            </a:r>
+            <a:endParaRPr lang="zh-CN" altLang="en-US">
+              <a:latin typeface="宋体" panose="02010600030101010101" pitchFamily="2" charset="-122"/>
+              <a:ea typeface="宋体" panose="02010600030101010101" pitchFamily="2" charset="-122"/>
+              <a:sym typeface="+mn-ea"/>
+            </a:endParaRPr>
+          </a:p>
+          <a:p>
+            <a:r>
+              <a:rPr lang="zh-CN">
+                <a:latin typeface="宋体" panose="02010600030101010101" pitchFamily="2" charset="-122"/>
+                <a:ea typeface="宋体" panose="02010600030101010101" pitchFamily="2" charset="-122"/>
+                <a:sym typeface="+mn-ea"/>
+              </a:rPr>
+              <a:t>（</a:t>
+            </a:r>
+            <a:r>
+              <a:rPr>
+                <a:latin typeface="宋体" panose="02010600030101010101" pitchFamily="2" charset="-122"/>
+                <a:ea typeface="宋体" panose="02010600030101010101" pitchFamily="2" charset="-122"/>
+                <a:sym typeface="+mn-ea"/>
+              </a:rPr>
+              <a:t>http://www.ruanyifeng.com/blog/2013/07/rsa_algorithm_part_two.html</a:t>
+            </a:r>
+            <a:r>
+              <a:rPr lang="zh-CN">
+                <a:latin typeface="宋体" panose="02010600030101010101" pitchFamily="2" charset="-122"/>
+                <a:ea typeface="宋体" panose="02010600030101010101" pitchFamily="2" charset="-122"/>
+                <a:sym typeface="+mn-ea"/>
+              </a:rPr>
+              <a:t>）的推导舍近求远</a:t>
+            </a:r>
+            <a:endParaRPr>
+              <a:latin typeface="宋体" panose="02010600030101010101" pitchFamily="2" charset="-122"/>
+              <a:ea typeface="宋体" panose="02010600030101010101" pitchFamily="2" charset="-122"/>
+              <a:sym typeface="+mn-ea"/>
+            </a:endParaRPr>
+          </a:p>
+          <a:p>
+            <a:endParaRPr lang="en-US" altLang="zh-CN">
+              <a:latin typeface="宋体" panose="02010600030101010101" pitchFamily="2" charset="-122"/>
+              <a:ea typeface="宋体" panose="02010600030101010101" pitchFamily="2" charset="-122"/>
+              <a:sym typeface="+mn-ea"/>
+            </a:endParaRPr>
+          </a:p>
+          <a:p>
+            <a:endParaRPr lang="en-US">
+              <a:latin typeface="宋体" panose="02010600030101010101" pitchFamily="2" charset="-122"/>
+              <a:ea typeface="宋体" panose="02010600030101010101" pitchFamily="2" charset="-122"/>
+            </a:endParaRPr>
+          </a:p>
+          <a:p>
+            <a:endParaRPr>
+              <a:latin typeface="宋体" panose="02010600030101010101" pitchFamily="2" charset="-122"/>
+              <a:ea typeface="宋体" panose="02010600030101010101" pitchFamily="2" charset="-122"/>
+            </a:endParaRPr>
+          </a:p>
+          <a:p>
+            <a:endParaRPr>
+              <a:latin typeface="宋体" panose="02010600030101010101" pitchFamily="2" charset="-122"/>
+              <a:ea typeface="宋体" panose="02010600030101010101" pitchFamily="2" charset="-122"/>
+            </a:endParaRPr>
+          </a:p>
+        </p:txBody>
+      </p:sp>
+    </p:spTree>
+  </p:cSld>
+  <p:clrMapOvr>
+    <a:masterClrMapping/>
+  </p:clrMapOvr>
+</p:sld>
+</file>
+
+<file path=ppt/slides/slide6.xml><?xml version="1.0" encoding="utf-8"?>
+<p:sld xmlns:a="http://schemas.openxmlformats.org/drawingml/2006/main" xmlns:r="http://schemas.openxmlformats.org/officeDocument/2006/relationships" xmlns:p="http://schemas.openxmlformats.org/presentationml/2006/main">
+  <p:cSld>
+    <p:spTree>
+      <p:nvGrpSpPr>
+        <p:cNvPr id="1" name=""/>
+        <p:cNvGrpSpPr/>
+        <p:nvPr/>
+      </p:nvGrpSpPr>
+      <p:grpSpPr>
+        <a:xfrm>
+          <a:off x="0" y="0"/>
+          <a:ext cx="0" cy="0"/>
+          <a:chOff x="0" y="0"/>
+          <a:chExt cx="0" cy="0"/>
+        </a:xfrm>
+      </p:grpSpPr>
+      <p:sp>
+        <p:nvSpPr>
+          <p:cNvPr id="2" name="标题 1"/>
+          <p:cNvSpPr>
+            <a:spLocks noGrp="1"/>
+          </p:cNvSpPr>
+          <p:nvPr>
+            <p:ph type="title"/>
+          </p:nvPr>
+        </p:nvSpPr>
+        <p:spPr/>
+        <p:txBody>
+          <a:bodyPr/>
+          <a:lstStyle/>
+          <a:p>
+            <a:r>
+              <a:rPr lang="zh-CN" altLang="en-US" dirty="0">
+                <a:latin typeface="宋体" panose="02010600030101010101" pitchFamily="2" charset="-122"/>
+                <a:ea typeface="宋体" panose="02010600030101010101" pitchFamily="2" charset="-122"/>
+              </a:rPr>
+              <a:t>技术</a:t>
+            </a:r>
+            <a:r>
+              <a:rPr lang="zh-CN" altLang="en-US" dirty="0">
+                <a:latin typeface="宋体" panose="02010600030101010101" pitchFamily="2" charset="-122"/>
+                <a:ea typeface="宋体" panose="02010600030101010101" pitchFamily="2" charset="-122"/>
+              </a:rPr>
+              <a:t>要点</a:t>
+            </a:r>
+            <a:endParaRPr lang="zh-CN" altLang="en-US" dirty="0">
+              <a:latin typeface="宋体" panose="02010600030101010101" pitchFamily="2" charset="-122"/>
+              <a:ea typeface="宋体" panose="02010600030101010101" pitchFamily="2" charset="-122"/>
+            </a:endParaRPr>
+          </a:p>
+        </p:txBody>
+      </p:sp>
+      <p:sp>
+        <p:nvSpPr>
+          <p:cNvPr id="3" name="文本框 2"/>
+          <p:cNvSpPr txBox="1"/>
           <p:nvPr/>
-        </p:nvPicPr>
-        <p:blipFill>
-          <a:blip r:embed="rId3"/>
-          <a:stretch>
-            <a:fillRect/>
-          </a:stretch>
-        </p:blipFill>
+        </p:nvSpPr>
         <p:spPr>
           <a:xfrm>
-            <a:off x="3995420" y="2898775"/>
-            <a:ext cx="6350000" cy="2912110"/>
+            <a:off x="1651635" y="2850515"/>
+            <a:ext cx="9548495" cy="1101725"/>
           </a:xfrm>
           <a:prstGeom prst="rect">
             <a:avLst/>
           </a:prstGeom>
           <a:noFill/>
-          <a:ln w="9525">
-            <a:noFill/>
-          </a:ln>
         </p:spPr>
-      </p:pic>
+        <p:txBody>
+          <a:bodyPr wrap="square" rtlCol="0" anchor="t">
+            <a:spAutoFit/>
+          </a:bodyPr>
+          <a:p>
+            <a:pPr marL="285750" indent="-285750">
+              <a:buFont typeface="Arial" panose="020B0604020202020204" pitchFamily="34" charset="0"/>
+              <a:buChar char="•"/>
+            </a:pPr>
+            <a:r>
+              <a:rPr lang="zh-CN" altLang="en-US">
+                <a:latin typeface="宋体" panose="02010600030101010101" pitchFamily="2" charset="-122"/>
+                <a:ea typeface="宋体" panose="02010600030101010101" pitchFamily="2" charset="-122"/>
+              </a:rPr>
+              <a:t>私钥加密：</a:t>
+            </a:r>
+            <a:r>
+              <a:rPr lang="en-US">
+                <a:latin typeface="宋体" panose="02010600030101010101" pitchFamily="2" charset="-122"/>
+                <a:ea typeface="宋体" panose="02010600030101010101" pitchFamily="2" charset="-122"/>
+                <a:sym typeface="+mn-ea"/>
+              </a:rPr>
+              <a:t>m</a:t>
+            </a:r>
+            <a:r>
+              <a:rPr lang="en-US" baseline="30000">
+                <a:latin typeface="宋体" panose="02010600030101010101" pitchFamily="2" charset="-122"/>
+                <a:ea typeface="宋体" panose="02010600030101010101" pitchFamily="2" charset="-122"/>
+                <a:sym typeface="+mn-ea"/>
+              </a:rPr>
+              <a:t>d</a:t>
+            </a:r>
+            <a:r>
+              <a:rPr lang="en-US">
+                <a:latin typeface="宋体" panose="02010600030101010101" pitchFamily="2" charset="-122"/>
+                <a:ea typeface="宋体" panose="02010600030101010101" pitchFamily="2" charset="-122"/>
+                <a:sym typeface="+mn-ea"/>
+              </a:rPr>
+              <a:t> = s </a:t>
+            </a:r>
+            <a:r>
+              <a:rPr lang="zh-CN" altLang="en-US">
+                <a:latin typeface="宋体" panose="02010600030101010101" pitchFamily="2" charset="-122"/>
+                <a:ea typeface="宋体" panose="02010600030101010101" pitchFamily="2" charset="-122"/>
+                <a:sym typeface="+mn-ea"/>
+              </a:rPr>
+              <a:t>（</a:t>
+            </a:r>
+            <a:r>
+              <a:rPr lang="en-US" altLang="zh-CN">
+                <a:latin typeface="宋体" panose="02010600030101010101" pitchFamily="2" charset="-122"/>
+                <a:ea typeface="宋体" panose="02010600030101010101" pitchFamily="2" charset="-122"/>
+                <a:sym typeface="+mn-ea"/>
+              </a:rPr>
+              <a:t>mod n</a:t>
+            </a:r>
+            <a:r>
+              <a:rPr lang="zh-CN" altLang="en-US">
+                <a:latin typeface="宋体" panose="02010600030101010101" pitchFamily="2" charset="-122"/>
+                <a:ea typeface="宋体" panose="02010600030101010101" pitchFamily="2" charset="-122"/>
+                <a:sym typeface="+mn-ea"/>
+              </a:rPr>
+              <a:t>）公钥解密：</a:t>
+            </a:r>
+            <a:r>
+              <a:rPr lang="en-US" altLang="zh-CN">
+                <a:latin typeface="宋体" panose="02010600030101010101" pitchFamily="2" charset="-122"/>
+                <a:ea typeface="宋体" panose="02010600030101010101" pitchFamily="2" charset="-122"/>
+                <a:sym typeface="+mn-ea"/>
+              </a:rPr>
+              <a:t>s</a:t>
+            </a:r>
+            <a:r>
+              <a:rPr lang="en-US" altLang="zh-CN" baseline="30000">
+                <a:latin typeface="宋体" panose="02010600030101010101" pitchFamily="2" charset="-122"/>
+                <a:ea typeface="宋体" panose="02010600030101010101" pitchFamily="2" charset="-122"/>
+                <a:sym typeface="+mn-ea"/>
+              </a:rPr>
+              <a:t>e</a:t>
+            </a:r>
+            <a:r>
+              <a:rPr lang="en-US" altLang="zh-CN">
+                <a:latin typeface="宋体" panose="02010600030101010101" pitchFamily="2" charset="-122"/>
+                <a:ea typeface="宋体" panose="02010600030101010101" pitchFamily="2" charset="-122"/>
+                <a:sym typeface="+mn-ea"/>
+              </a:rPr>
+              <a:t> = m </a:t>
+            </a:r>
+            <a:r>
+              <a:rPr lang="zh-CN" altLang="en-US">
+                <a:latin typeface="宋体" panose="02010600030101010101" pitchFamily="2" charset="-122"/>
+                <a:ea typeface="宋体" panose="02010600030101010101" pitchFamily="2" charset="-122"/>
+                <a:sym typeface="+mn-ea"/>
+              </a:rPr>
+              <a:t>（</a:t>
+            </a:r>
+            <a:r>
+              <a:rPr lang="en-US" altLang="zh-CN">
+                <a:latin typeface="宋体" panose="02010600030101010101" pitchFamily="2" charset="-122"/>
+                <a:ea typeface="宋体" panose="02010600030101010101" pitchFamily="2" charset="-122"/>
+                <a:sym typeface="+mn-ea"/>
+              </a:rPr>
+              <a:t>mod n</a:t>
+            </a:r>
+            <a:r>
+              <a:rPr lang="zh-CN" altLang="en-US">
+                <a:latin typeface="宋体" panose="02010600030101010101" pitchFamily="2" charset="-122"/>
+                <a:ea typeface="宋体" panose="02010600030101010101" pitchFamily="2" charset="-122"/>
+                <a:sym typeface="+mn-ea"/>
+              </a:rPr>
+              <a:t>）</a:t>
+            </a:r>
+            <a:endParaRPr lang="en-US">
+              <a:latin typeface="宋体" panose="02010600030101010101" pitchFamily="2" charset="-122"/>
+              <a:ea typeface="宋体" panose="02010600030101010101" pitchFamily="2" charset="-122"/>
+            </a:endParaRPr>
+          </a:p>
+          <a:p>
+            <a:pPr marL="285750" indent="-285750">
+              <a:buFont typeface="Arial" panose="020B0604020202020204" pitchFamily="34" charset="0"/>
+              <a:buChar char="•"/>
+            </a:pPr>
+            <a:r>
+              <a:rPr lang="en-US">
+                <a:latin typeface="宋体" panose="02010600030101010101" pitchFamily="2" charset="-122"/>
+                <a:ea typeface="宋体" panose="02010600030101010101" pitchFamily="2" charset="-122"/>
+              </a:rPr>
+              <a:t>m</a:t>
+            </a:r>
+            <a:r>
+              <a:rPr lang="en-US" baseline="30000">
+                <a:latin typeface="宋体" panose="02010600030101010101" pitchFamily="2" charset="-122"/>
+                <a:ea typeface="宋体" panose="02010600030101010101" pitchFamily="2" charset="-122"/>
+              </a:rPr>
+              <a:t>d</a:t>
+            </a:r>
+            <a:r>
+              <a:rPr lang="en-US">
+                <a:latin typeface="宋体" panose="02010600030101010101" pitchFamily="2" charset="-122"/>
+                <a:ea typeface="宋体" panose="02010600030101010101" pitchFamily="2" charset="-122"/>
+              </a:rPr>
+              <a:t> = s </a:t>
+            </a:r>
+            <a:r>
+              <a:rPr lang="zh-CN" altLang="en-US">
+                <a:latin typeface="宋体" panose="02010600030101010101" pitchFamily="2" charset="-122"/>
+                <a:ea typeface="宋体" panose="02010600030101010101" pitchFamily="2" charset="-122"/>
+              </a:rPr>
+              <a:t>（</a:t>
+            </a:r>
+            <a:r>
+              <a:rPr lang="en-US" altLang="zh-CN">
+                <a:latin typeface="宋体" panose="02010600030101010101" pitchFamily="2" charset="-122"/>
+                <a:ea typeface="宋体" panose="02010600030101010101" pitchFamily="2" charset="-122"/>
+              </a:rPr>
+              <a:t>mod n</a:t>
+            </a:r>
+            <a:r>
+              <a:rPr lang="zh-CN" altLang="en-US">
+                <a:latin typeface="宋体" panose="02010600030101010101" pitchFamily="2" charset="-122"/>
+                <a:ea typeface="宋体" panose="02010600030101010101" pitchFamily="2" charset="-122"/>
+              </a:rPr>
+              <a:t>）</a:t>
+            </a:r>
+            <a:r>
+              <a:rPr lang="en-US" altLang="zh-CN">
+                <a:latin typeface="宋体" panose="02010600030101010101" pitchFamily="2" charset="-122"/>
+                <a:ea typeface="宋体" panose="02010600030101010101" pitchFamily="2" charset="-122"/>
+              </a:rPr>
+              <a:t>--&gt;s =</a:t>
+            </a:r>
+            <a:r>
+              <a:rPr lang="zh-CN" altLang="en-US">
+                <a:latin typeface="宋体" panose="02010600030101010101" pitchFamily="2" charset="-122"/>
+                <a:ea typeface="宋体" panose="02010600030101010101" pitchFamily="2" charset="-122"/>
+              </a:rPr>
+              <a:t>（</a:t>
+            </a:r>
+            <a:r>
+              <a:rPr lang="en-US" altLang="zh-CN">
+                <a:latin typeface="宋体" panose="02010600030101010101" pitchFamily="2" charset="-122"/>
+                <a:ea typeface="宋体" panose="02010600030101010101" pitchFamily="2" charset="-122"/>
+              </a:rPr>
+              <a:t>m</a:t>
+            </a:r>
+            <a:r>
+              <a:rPr lang="en-US" altLang="zh-CN" baseline="30000">
+                <a:latin typeface="宋体" panose="02010600030101010101" pitchFamily="2" charset="-122"/>
+                <a:ea typeface="宋体" panose="02010600030101010101" pitchFamily="2" charset="-122"/>
+              </a:rPr>
+              <a:t>d</a:t>
+            </a:r>
+            <a:r>
+              <a:rPr lang="en-US" altLang="zh-CN">
+                <a:latin typeface="宋体" panose="02010600030101010101" pitchFamily="2" charset="-122"/>
+                <a:ea typeface="宋体" panose="02010600030101010101" pitchFamily="2" charset="-122"/>
+              </a:rPr>
+              <a:t> + kn</a:t>
+            </a:r>
+            <a:r>
+              <a:rPr lang="zh-CN" altLang="en-US">
+                <a:latin typeface="宋体" panose="02010600030101010101" pitchFamily="2" charset="-122"/>
+                <a:ea typeface="宋体" panose="02010600030101010101" pitchFamily="2" charset="-122"/>
+              </a:rPr>
+              <a:t>）</a:t>
+            </a:r>
+            <a:r>
+              <a:rPr lang="en-US" altLang="zh-CN">
+                <a:latin typeface="宋体" panose="02010600030101010101" pitchFamily="2" charset="-122"/>
+                <a:ea typeface="宋体" panose="02010600030101010101" pitchFamily="2" charset="-122"/>
+              </a:rPr>
+              <a:t>--&gt;</a:t>
+            </a:r>
+            <a:r>
+              <a:rPr lang="en-US" altLang="zh-CN">
+                <a:latin typeface="宋体" panose="02010600030101010101" pitchFamily="2" charset="-122"/>
+                <a:ea typeface="宋体" panose="02010600030101010101" pitchFamily="2" charset="-122"/>
+                <a:sym typeface="+mn-ea"/>
+              </a:rPr>
+              <a:t>s</a:t>
+            </a:r>
+            <a:r>
+              <a:rPr lang="en-US" altLang="zh-CN" baseline="30000">
+                <a:latin typeface="宋体" panose="02010600030101010101" pitchFamily="2" charset="-122"/>
+                <a:ea typeface="宋体" panose="02010600030101010101" pitchFamily="2" charset="-122"/>
+                <a:sym typeface="+mn-ea"/>
+              </a:rPr>
+              <a:t>e</a:t>
+            </a:r>
+            <a:r>
+              <a:rPr lang="en-US" altLang="zh-CN">
+                <a:latin typeface="宋体" panose="02010600030101010101" pitchFamily="2" charset="-122"/>
+                <a:ea typeface="宋体" panose="02010600030101010101" pitchFamily="2" charset="-122"/>
+                <a:sym typeface="+mn-ea"/>
+              </a:rPr>
+              <a:t> =</a:t>
+            </a:r>
+            <a:r>
+              <a:rPr lang="zh-CN" altLang="en-US">
+                <a:latin typeface="宋体" panose="02010600030101010101" pitchFamily="2" charset="-122"/>
+                <a:ea typeface="宋体" panose="02010600030101010101" pitchFamily="2" charset="-122"/>
+                <a:sym typeface="+mn-ea"/>
+              </a:rPr>
+              <a:t>（</a:t>
+            </a:r>
+            <a:r>
+              <a:rPr lang="en-US" altLang="zh-CN">
+                <a:latin typeface="宋体" panose="02010600030101010101" pitchFamily="2" charset="-122"/>
+                <a:ea typeface="宋体" panose="02010600030101010101" pitchFamily="2" charset="-122"/>
+                <a:sym typeface="+mn-ea"/>
+              </a:rPr>
+              <a:t>m</a:t>
+            </a:r>
+            <a:r>
+              <a:rPr lang="en-US" altLang="zh-CN" baseline="30000">
+                <a:latin typeface="宋体" panose="02010600030101010101" pitchFamily="2" charset="-122"/>
+                <a:ea typeface="宋体" panose="02010600030101010101" pitchFamily="2" charset="-122"/>
+                <a:sym typeface="+mn-ea"/>
+              </a:rPr>
+              <a:t>d</a:t>
+            </a:r>
+            <a:r>
+              <a:rPr lang="en-US" altLang="zh-CN">
+                <a:latin typeface="宋体" panose="02010600030101010101" pitchFamily="2" charset="-122"/>
+                <a:ea typeface="宋体" panose="02010600030101010101" pitchFamily="2" charset="-122"/>
+                <a:sym typeface="+mn-ea"/>
+              </a:rPr>
+              <a:t> + kn)</a:t>
+            </a:r>
+            <a:r>
+              <a:rPr lang="en-US" altLang="zh-CN" baseline="30000">
+                <a:latin typeface="宋体" panose="02010600030101010101" pitchFamily="2" charset="-122"/>
+                <a:ea typeface="宋体" panose="02010600030101010101" pitchFamily="2" charset="-122"/>
+                <a:sym typeface="+mn-ea"/>
+              </a:rPr>
+              <a:t>e </a:t>
+            </a:r>
+            <a:r>
+              <a:rPr lang="en-US" altLang="zh-CN">
+                <a:latin typeface="宋体" panose="02010600030101010101" pitchFamily="2" charset="-122"/>
+                <a:ea typeface="宋体" panose="02010600030101010101" pitchFamily="2" charset="-122"/>
+                <a:sym typeface="+mn-ea"/>
+              </a:rPr>
+              <a:t>= m</a:t>
+            </a:r>
+            <a:r>
+              <a:rPr lang="en-US" altLang="zh-CN" baseline="30000">
+                <a:latin typeface="宋体" panose="02010600030101010101" pitchFamily="2" charset="-122"/>
+                <a:ea typeface="宋体" panose="02010600030101010101" pitchFamily="2" charset="-122"/>
+                <a:sym typeface="+mn-ea"/>
+              </a:rPr>
+              <a:t>de</a:t>
+            </a:r>
+            <a:r>
+              <a:rPr lang="en-US" altLang="zh-CN">
+                <a:latin typeface="宋体" panose="02010600030101010101" pitchFamily="2" charset="-122"/>
+                <a:ea typeface="宋体" panose="02010600030101010101" pitchFamily="2" charset="-122"/>
+                <a:sym typeface="+mn-ea"/>
+              </a:rPr>
+              <a:t> (mod n)   </a:t>
+            </a:r>
+            <a:endParaRPr lang="en-US" altLang="zh-CN">
+              <a:latin typeface="宋体" panose="02010600030101010101" pitchFamily="2" charset="-122"/>
+              <a:ea typeface="宋体" panose="02010600030101010101" pitchFamily="2" charset="-122"/>
+              <a:sym typeface="+mn-ea"/>
+            </a:endParaRPr>
+          </a:p>
+          <a:p>
+            <a:pPr marL="285750" indent="-285750">
+              <a:buFont typeface="Arial" panose="020B0604020202020204" pitchFamily="34" charset="0"/>
+              <a:buChar char="•"/>
+            </a:pPr>
+            <a:endParaRPr lang="en-US" altLang="zh-CN" baseline="30000">
+              <a:latin typeface="宋体" panose="02010600030101010101" pitchFamily="2" charset="-122"/>
+              <a:ea typeface="宋体" panose="02010600030101010101" pitchFamily="2" charset="-122"/>
+            </a:endParaRPr>
+          </a:p>
+          <a:p>
+            <a:pPr marL="285750" indent="-285750">
+              <a:buFont typeface="Arial" panose="020B0604020202020204" pitchFamily="34" charset="0"/>
+              <a:buChar char="•"/>
+            </a:pPr>
+            <a:r>
+              <a:rPr lang="zh-CN" altLang="en-US">
+                <a:latin typeface="宋体" panose="02010600030101010101" pitchFamily="2" charset="-122"/>
+                <a:ea typeface="宋体" panose="02010600030101010101" pitchFamily="2" charset="-122"/>
+              </a:rPr>
+              <a:t>下面与公钥加密完全</a:t>
+            </a:r>
+            <a:r>
+              <a:rPr lang="zh-CN" altLang="en-US">
+                <a:latin typeface="宋体" panose="02010600030101010101" pitchFamily="2" charset="-122"/>
+                <a:ea typeface="宋体" panose="02010600030101010101" pitchFamily="2" charset="-122"/>
+              </a:rPr>
+              <a:t>相同，施加欧拉定理或对</a:t>
+            </a:r>
+            <a:r>
+              <a:rPr lang="en-US" altLang="zh-CN">
+                <a:latin typeface="宋体" panose="02010600030101010101" pitchFamily="2" charset="-122"/>
+                <a:ea typeface="宋体" panose="02010600030101010101" pitchFamily="2" charset="-122"/>
+              </a:rPr>
+              <a:t>m</a:t>
+            </a:r>
+            <a:r>
+              <a:rPr lang="zh-CN" altLang="en-US">
+                <a:latin typeface="宋体" panose="02010600030101010101" pitchFamily="2" charset="-122"/>
+                <a:ea typeface="宋体" panose="02010600030101010101" pitchFamily="2" charset="-122"/>
+              </a:rPr>
+              <a:t>分解后施加欧拉定理，得到</a:t>
+            </a:r>
+            <a:r>
+              <a:rPr lang="en-US" altLang="zh-CN">
+                <a:latin typeface="宋体" panose="02010600030101010101" pitchFamily="2" charset="-122"/>
+                <a:ea typeface="宋体" panose="02010600030101010101" pitchFamily="2" charset="-122"/>
+              </a:rPr>
+              <a:t> s</a:t>
+            </a:r>
+            <a:r>
+              <a:rPr lang="en-US" altLang="zh-CN" baseline="30000">
+                <a:latin typeface="宋体" panose="02010600030101010101" pitchFamily="2" charset="-122"/>
+                <a:ea typeface="宋体" panose="02010600030101010101" pitchFamily="2" charset="-122"/>
+              </a:rPr>
+              <a:t>e</a:t>
+            </a:r>
+            <a:r>
+              <a:rPr lang="en-US" altLang="zh-CN">
+                <a:latin typeface="宋体" panose="02010600030101010101" pitchFamily="2" charset="-122"/>
+                <a:ea typeface="宋体" panose="02010600030101010101" pitchFamily="2" charset="-122"/>
+              </a:rPr>
+              <a:t> = (m mod </a:t>
+            </a:r>
+            <a:r>
+              <a:rPr lang="en-US" altLang="zh-CN">
+                <a:latin typeface="宋体" panose="02010600030101010101" pitchFamily="2" charset="-122"/>
+                <a:ea typeface="宋体" panose="02010600030101010101" pitchFamily="2" charset="-122"/>
+              </a:rPr>
+              <a:t>n)</a:t>
+            </a:r>
+            <a:endParaRPr lang="en-US" altLang="zh-CN">
+              <a:latin typeface="宋体" panose="02010600030101010101" pitchFamily="2" charset="-122"/>
+              <a:ea typeface="宋体" panose="02010600030101010101" pitchFamily="2" charset="-122"/>
+            </a:endParaRPr>
+          </a:p>
+        </p:txBody>
+      </p:sp>
+      <p:sp>
+        <p:nvSpPr>
+          <p:cNvPr id="5" name="文本框 4"/>
+          <p:cNvSpPr txBox="1"/>
+          <p:nvPr/>
+        </p:nvSpPr>
+        <p:spPr>
+          <a:xfrm>
+            <a:off x="2505075" y="4676140"/>
+            <a:ext cx="4057650" cy="645160"/>
+          </a:xfrm>
+          <a:prstGeom prst="rect">
+            <a:avLst/>
+          </a:prstGeom>
+          <a:noFill/>
+        </p:spPr>
+        <p:txBody>
+          <a:bodyPr wrap="square" rtlCol="0">
+            <a:spAutoFit/>
+          </a:bodyPr>
+          <a:p>
+            <a:r>
+              <a:rPr lang="zh-CN" altLang="en-US">
+                <a:latin typeface="宋体" panose="02010600030101010101" pitchFamily="2" charset="-122"/>
+                <a:ea typeface="宋体" panose="02010600030101010101" pitchFamily="2" charset="-122"/>
+                <a:cs typeface="宋体" panose="02010600030101010101" pitchFamily="2" charset="-122"/>
+              </a:rPr>
+              <a:t>实际上再次证明并无必要，因为从数学上</a:t>
+            </a:r>
+            <a:r>
+              <a:rPr lang="en-US" altLang="zh-CN">
+                <a:latin typeface="宋体" panose="02010600030101010101" pitchFamily="2" charset="-122"/>
+                <a:ea typeface="宋体" panose="02010600030101010101" pitchFamily="2" charset="-122"/>
+                <a:cs typeface="宋体" panose="02010600030101010101" pitchFamily="2" charset="-122"/>
+              </a:rPr>
+              <a:t>e\d</a:t>
+            </a:r>
+            <a:r>
+              <a:rPr lang="zh-CN" altLang="en-US">
+                <a:latin typeface="宋体" panose="02010600030101010101" pitchFamily="2" charset="-122"/>
+                <a:ea typeface="宋体" panose="02010600030101010101" pitchFamily="2" charset="-122"/>
+                <a:cs typeface="宋体" panose="02010600030101010101" pitchFamily="2" charset="-122"/>
+              </a:rPr>
+              <a:t>互为欧拉函数的模反</a:t>
+            </a:r>
+            <a:endParaRPr lang="zh-CN" altLang="en-US">
+              <a:latin typeface="宋体" panose="02010600030101010101" pitchFamily="2" charset="-122"/>
+              <a:ea typeface="宋体" panose="02010600030101010101" pitchFamily="2" charset="-122"/>
+              <a:cs typeface="宋体" panose="02010600030101010101" pitchFamily="2" charset="-122"/>
+            </a:endParaRPr>
+          </a:p>
+        </p:txBody>
+      </p:sp>
+    </p:spTree>
+  </p:cSld>
+  <p:clrMapOvr>
+    <a:masterClrMapping/>
+  </p:clrMapOvr>
+</p:sld>
+</file>
+
+<file path=ppt/slides/slide7.xml><?xml version="1.0" encoding="utf-8"?>
+<p:sld xmlns:a="http://schemas.openxmlformats.org/drawingml/2006/main" xmlns:r="http://schemas.openxmlformats.org/officeDocument/2006/relationships" xmlns:p="http://schemas.openxmlformats.org/presentationml/2006/main">
+  <p:cSld>
+    <p:spTree>
+      <p:nvGrpSpPr>
+        <p:cNvPr id="1" name=""/>
+        <p:cNvGrpSpPr/>
+        <p:nvPr/>
+      </p:nvGrpSpPr>
+      <p:grpSpPr>
+        <a:xfrm>
+          <a:off x="0" y="0"/>
+          <a:ext cx="0" cy="0"/>
+          <a:chOff x="0" y="0"/>
+          <a:chExt cx="0" cy="0"/>
+        </a:xfrm>
+      </p:grpSpPr>
+      <p:sp>
+        <p:nvSpPr>
+          <p:cNvPr id="2" name="标题 1"/>
+          <p:cNvSpPr>
+            <a:spLocks noGrp="1"/>
+          </p:cNvSpPr>
+          <p:nvPr>
+            <p:ph type="title"/>
+          </p:nvPr>
+        </p:nvSpPr>
+        <p:spPr/>
+        <p:txBody>
+          <a:bodyPr/>
+          <a:lstStyle/>
+          <a:p>
+            <a:r>
+              <a:rPr lang="zh-CN" altLang="en-US" dirty="0">
+                <a:latin typeface="宋体" panose="02010600030101010101" pitchFamily="2" charset="-122"/>
+                <a:ea typeface="宋体" panose="02010600030101010101" pitchFamily="2" charset="-122"/>
+              </a:rPr>
+              <a:t>应用</a:t>
+            </a:r>
+            <a:r>
+              <a:rPr lang="zh-CN" altLang="en-US" dirty="0">
+                <a:latin typeface="宋体" panose="02010600030101010101" pitchFamily="2" charset="-122"/>
+                <a:ea typeface="宋体" panose="02010600030101010101" pitchFamily="2" charset="-122"/>
+              </a:rPr>
+              <a:t>模式</a:t>
+            </a:r>
+            <a:endParaRPr lang="zh-CN" altLang="en-US" dirty="0">
+              <a:latin typeface="宋体" panose="02010600030101010101" pitchFamily="2" charset="-122"/>
+              <a:ea typeface="宋体" panose="02010600030101010101" pitchFamily="2" charset="-122"/>
+            </a:endParaRPr>
+          </a:p>
+        </p:txBody>
+      </p:sp>
+      <p:sp>
+        <p:nvSpPr>
+          <p:cNvPr id="3" name="文本框 2"/>
+          <p:cNvSpPr txBox="1"/>
+          <p:nvPr/>
+        </p:nvSpPr>
+        <p:spPr>
+          <a:xfrm>
+            <a:off x="1682115" y="2962275"/>
+            <a:ext cx="9548495" cy="5077460"/>
+          </a:xfrm>
+          <a:prstGeom prst="rect">
+            <a:avLst/>
+          </a:prstGeom>
+          <a:noFill/>
+        </p:spPr>
+        <p:txBody>
+          <a:bodyPr wrap="square" rtlCol="0" anchor="t">
+            <a:spAutoFit/>
+          </a:bodyPr>
+          <a:p>
+            <a:pPr marL="285750" indent="-285750">
+              <a:buFont typeface="Arial" panose="020B0604020202020204" pitchFamily="34" charset="0"/>
+              <a:buChar char="•"/>
+            </a:pPr>
+            <a:r>
+              <a:rPr lang="zh-CN" altLang="en-US">
+                <a:latin typeface="宋体" panose="02010600030101010101" pitchFamily="2" charset="-122"/>
+                <a:ea typeface="宋体" panose="02010600030101010101" pitchFamily="2" charset="-122"/>
+              </a:rPr>
+              <a:t>在存在通信双方场景中，一定要用词上明确区分公私钥所有者，不要不提及所有者而使用</a:t>
+            </a:r>
+            <a:r>
+              <a:rPr lang="en-US" altLang="zh-CN">
+                <a:latin typeface="宋体" panose="02010600030101010101" pitchFamily="2" charset="-122"/>
+                <a:ea typeface="宋体" panose="02010600030101010101" pitchFamily="2" charset="-122"/>
+              </a:rPr>
+              <a:t>“*</a:t>
+            </a:r>
+            <a:r>
+              <a:rPr lang="zh-CN" altLang="en-US">
+                <a:latin typeface="宋体" panose="02010600030101010101" pitchFamily="2" charset="-122"/>
+                <a:ea typeface="宋体" panose="02010600030101010101" pitchFamily="2" charset="-122"/>
+              </a:rPr>
+              <a:t>钥加密，</a:t>
+            </a:r>
+            <a:r>
+              <a:rPr lang="en-US" altLang="zh-CN">
+                <a:latin typeface="宋体" panose="02010600030101010101" pitchFamily="2" charset="-122"/>
+                <a:ea typeface="宋体" panose="02010600030101010101" pitchFamily="2" charset="-122"/>
+              </a:rPr>
+              <a:t>*</a:t>
+            </a:r>
+            <a:r>
+              <a:rPr lang="zh-CN" altLang="en-US">
+                <a:latin typeface="宋体" panose="02010600030101010101" pitchFamily="2" charset="-122"/>
+                <a:ea typeface="宋体" panose="02010600030101010101" pitchFamily="2" charset="-122"/>
+              </a:rPr>
+              <a:t>钥解密</a:t>
+            </a:r>
+            <a:r>
+              <a:rPr lang="en-US" altLang="zh-CN">
+                <a:latin typeface="宋体" panose="02010600030101010101" pitchFamily="2" charset="-122"/>
+                <a:ea typeface="宋体" panose="02010600030101010101" pitchFamily="2" charset="-122"/>
+              </a:rPr>
+              <a:t>”</a:t>
+            </a:r>
+            <a:r>
+              <a:rPr lang="zh-CN" altLang="en-US">
+                <a:latin typeface="宋体" panose="02010600030101010101" pitchFamily="2" charset="-122"/>
+                <a:ea typeface="宋体" panose="02010600030101010101" pitchFamily="2" charset="-122"/>
+              </a:rPr>
+              <a:t>这样的叙述，极易</a:t>
+            </a:r>
+            <a:r>
+              <a:rPr lang="zh-CN" altLang="en-US">
+                <a:latin typeface="宋体" panose="02010600030101010101" pitchFamily="2" charset="-122"/>
+                <a:ea typeface="宋体" panose="02010600030101010101" pitchFamily="2" charset="-122"/>
+              </a:rPr>
+              <a:t>混淆</a:t>
+            </a:r>
+            <a:endParaRPr lang="zh-CN" altLang="en-US">
+              <a:latin typeface="宋体" panose="02010600030101010101" pitchFamily="2" charset="-122"/>
+              <a:ea typeface="宋体" panose="02010600030101010101" pitchFamily="2" charset="-122"/>
+            </a:endParaRPr>
+          </a:p>
+          <a:p>
+            <a:pPr marL="285750" indent="-285750">
+              <a:buFont typeface="Arial" panose="020B0604020202020204" pitchFamily="34" charset="0"/>
+              <a:buChar char="•"/>
+            </a:pPr>
+            <a:r>
+              <a:rPr lang="zh-CN" altLang="en-US">
+                <a:latin typeface="宋体" panose="02010600030101010101" pitchFamily="2" charset="-122"/>
+                <a:ea typeface="宋体" panose="02010600030101010101" pitchFamily="2" charset="-122"/>
+              </a:rPr>
+              <a:t>场景设定：</a:t>
+            </a:r>
+            <a:r>
+              <a:rPr lang="en-US" altLang="zh-CN">
+                <a:latin typeface="宋体" panose="02010600030101010101" pitchFamily="2" charset="-122"/>
+                <a:ea typeface="宋体" panose="02010600030101010101" pitchFamily="2" charset="-122"/>
+              </a:rPr>
+              <a:t>AB</a:t>
+            </a:r>
+            <a:r>
+              <a:rPr lang="zh-CN" altLang="en-US">
+                <a:latin typeface="宋体" panose="02010600030101010101" pitchFamily="2" charset="-122"/>
+                <a:ea typeface="宋体" panose="02010600030101010101" pitchFamily="2" charset="-122"/>
+              </a:rPr>
+              <a:t>各自有自己的公私钥对；</a:t>
+            </a:r>
+            <a:endParaRPr lang="zh-CN" altLang="en-US">
+              <a:latin typeface="宋体" panose="02010600030101010101" pitchFamily="2" charset="-122"/>
+              <a:ea typeface="宋体" panose="02010600030101010101" pitchFamily="2" charset="-122"/>
+            </a:endParaRPr>
+          </a:p>
+          <a:p>
+            <a:pPr marL="285750" indent="-285750">
+              <a:buFont typeface="Arial" panose="020B0604020202020204" pitchFamily="34" charset="0"/>
+              <a:buChar char="•"/>
+            </a:pPr>
+            <a:r>
+              <a:rPr lang="zh-CN" altLang="en-US">
+                <a:latin typeface="宋体" panose="02010600030101010101" pitchFamily="2" charset="-122"/>
+                <a:ea typeface="宋体" panose="02010600030101010101" pitchFamily="2" charset="-122"/>
+              </a:rPr>
+              <a:t>互换公钥，这一步非常</a:t>
+            </a:r>
+            <a:r>
+              <a:rPr lang="zh-CN" altLang="en-US">
+                <a:latin typeface="宋体" panose="02010600030101010101" pitchFamily="2" charset="-122"/>
+                <a:ea typeface="宋体" panose="02010600030101010101" pitchFamily="2" charset="-122"/>
+              </a:rPr>
+              <a:t>重要（事实上是公开）</a:t>
+            </a:r>
+            <a:endParaRPr lang="zh-CN" altLang="en-US">
+              <a:latin typeface="宋体" panose="02010600030101010101" pitchFamily="2" charset="-122"/>
+              <a:ea typeface="宋体" panose="02010600030101010101" pitchFamily="2" charset="-122"/>
+            </a:endParaRPr>
+          </a:p>
+          <a:p>
+            <a:pPr marL="285750" indent="-285750">
+              <a:buFont typeface="Arial" panose="020B0604020202020204" pitchFamily="34" charset="0"/>
+              <a:buChar char="•"/>
+            </a:pPr>
+            <a:r>
+              <a:rPr lang="en-US" altLang="zh-CN">
+                <a:latin typeface="宋体" panose="02010600030101010101" pitchFamily="2" charset="-122"/>
+                <a:ea typeface="宋体" panose="02010600030101010101" pitchFamily="2" charset="-122"/>
+              </a:rPr>
+              <a:t>A</a:t>
+            </a:r>
+            <a:r>
+              <a:rPr lang="zh-CN" altLang="en-US">
+                <a:latin typeface="宋体" panose="02010600030101010101" pitchFamily="2" charset="-122"/>
+                <a:ea typeface="宋体" panose="02010600030101010101" pitchFamily="2" charset="-122"/>
+              </a:rPr>
+              <a:t>向</a:t>
+            </a:r>
+            <a:r>
+              <a:rPr lang="en-US" altLang="zh-CN">
+                <a:latin typeface="宋体" panose="02010600030101010101" pitchFamily="2" charset="-122"/>
+                <a:ea typeface="宋体" panose="02010600030101010101" pitchFamily="2" charset="-122"/>
+              </a:rPr>
+              <a:t>B</a:t>
+            </a:r>
+            <a:r>
+              <a:rPr lang="zh-CN" altLang="en-US">
+                <a:latin typeface="宋体" panose="02010600030101010101" pitchFamily="2" charset="-122"/>
+                <a:ea typeface="宋体" panose="02010600030101010101" pitchFamily="2" charset="-122"/>
+              </a:rPr>
+              <a:t>加密发送信息，使用的是</a:t>
+            </a:r>
+            <a:r>
+              <a:rPr lang="en-US" altLang="zh-CN">
+                <a:latin typeface="宋体" panose="02010600030101010101" pitchFamily="2" charset="-122"/>
+                <a:ea typeface="宋体" panose="02010600030101010101" pitchFamily="2" charset="-122"/>
+              </a:rPr>
+              <a:t>B</a:t>
+            </a:r>
+            <a:r>
+              <a:rPr lang="zh-CN" altLang="en-US">
+                <a:latin typeface="宋体" panose="02010600030101010101" pitchFamily="2" charset="-122"/>
+                <a:ea typeface="宋体" panose="02010600030101010101" pitchFamily="2" charset="-122"/>
+              </a:rPr>
+              <a:t>的公钥加密。向谁发送信息，发送者使用接收者的公钥加密。公钥公开，任何人可以向公开了公钥的人发送加密信息。这里解决的是内容保密</a:t>
+            </a:r>
+            <a:r>
+              <a:rPr lang="zh-CN" altLang="en-US">
+                <a:latin typeface="宋体" panose="02010600030101010101" pitchFamily="2" charset="-122"/>
+                <a:ea typeface="宋体" panose="02010600030101010101" pitchFamily="2" charset="-122"/>
+              </a:rPr>
+              <a:t>问题</a:t>
+            </a:r>
+            <a:endParaRPr lang="zh-CN" altLang="en-US">
+              <a:latin typeface="宋体" panose="02010600030101010101" pitchFamily="2" charset="-122"/>
+              <a:ea typeface="宋体" panose="02010600030101010101" pitchFamily="2" charset="-122"/>
+            </a:endParaRPr>
+          </a:p>
+          <a:p>
+            <a:pPr marL="285750" indent="-285750">
+              <a:buFont typeface="Arial" panose="020B0604020202020204" pitchFamily="34" charset="0"/>
+              <a:buChar char="•"/>
+            </a:pPr>
+            <a:r>
+              <a:rPr lang="en-US" altLang="zh-CN">
+                <a:latin typeface="宋体" panose="02010600030101010101" pitchFamily="2" charset="-122"/>
+                <a:ea typeface="宋体" panose="02010600030101010101" pitchFamily="2" charset="-122"/>
+                <a:sym typeface="+mn-ea"/>
+              </a:rPr>
+              <a:t>A</a:t>
+            </a:r>
+            <a:r>
+              <a:rPr lang="zh-CN" altLang="en-US">
+                <a:latin typeface="宋体" panose="02010600030101010101" pitchFamily="2" charset="-122"/>
+                <a:ea typeface="宋体" panose="02010600030101010101" pitchFamily="2" charset="-122"/>
+                <a:sym typeface="+mn-ea"/>
+              </a:rPr>
+              <a:t>向</a:t>
+            </a:r>
+            <a:r>
+              <a:rPr lang="en-US" altLang="zh-CN">
+                <a:latin typeface="宋体" panose="02010600030101010101" pitchFamily="2" charset="-122"/>
+                <a:ea typeface="宋体" panose="02010600030101010101" pitchFamily="2" charset="-122"/>
+                <a:sym typeface="+mn-ea"/>
+              </a:rPr>
+              <a:t>B</a:t>
+            </a:r>
+            <a:r>
+              <a:rPr lang="zh-CN" altLang="en-US">
+                <a:latin typeface="宋体" panose="02010600030101010101" pitchFamily="2" charset="-122"/>
+                <a:ea typeface="宋体" panose="02010600030101010101" pitchFamily="2" charset="-122"/>
+                <a:sym typeface="+mn-ea"/>
+              </a:rPr>
+              <a:t>发送信息（先不考虑是否加密），先把消息做摘要，然后对摘要用自己的私钥做加密，并把摘要的密文连同消息一起发给</a:t>
+            </a:r>
+            <a:r>
+              <a:rPr lang="en-US" altLang="zh-CN">
+                <a:latin typeface="宋体" panose="02010600030101010101" pitchFamily="2" charset="-122"/>
+                <a:ea typeface="宋体" panose="02010600030101010101" pitchFamily="2" charset="-122"/>
+                <a:sym typeface="+mn-ea"/>
+              </a:rPr>
+              <a:t>B</a:t>
+            </a:r>
+            <a:r>
+              <a:rPr lang="zh-CN" altLang="en-US">
+                <a:latin typeface="宋体" panose="02010600030101010101" pitchFamily="2" charset="-122"/>
+                <a:ea typeface="宋体" panose="02010600030101010101" pitchFamily="2" charset="-122"/>
+                <a:sym typeface="+mn-ea"/>
+              </a:rPr>
+              <a:t>。</a:t>
+            </a:r>
+            <a:r>
+              <a:rPr lang="en-US" altLang="zh-CN">
+                <a:latin typeface="宋体" panose="02010600030101010101" pitchFamily="2" charset="-122"/>
+                <a:ea typeface="宋体" panose="02010600030101010101" pitchFamily="2" charset="-122"/>
+                <a:sym typeface="+mn-ea"/>
+              </a:rPr>
+              <a:t>B</a:t>
+            </a:r>
+            <a:r>
+              <a:rPr lang="zh-CN" altLang="en-US">
+                <a:latin typeface="宋体" panose="02010600030101010101" pitchFamily="2" charset="-122"/>
+                <a:ea typeface="宋体" panose="02010600030101010101" pitchFamily="2" charset="-122"/>
+                <a:sym typeface="+mn-ea"/>
+              </a:rPr>
+              <a:t>对收到的消息做摘要，用</a:t>
+            </a:r>
+            <a:r>
+              <a:rPr lang="en-US" altLang="zh-CN">
+                <a:latin typeface="宋体" panose="02010600030101010101" pitchFamily="2" charset="-122"/>
+                <a:ea typeface="宋体" panose="02010600030101010101" pitchFamily="2" charset="-122"/>
+                <a:sym typeface="+mn-ea"/>
+              </a:rPr>
+              <a:t>A</a:t>
+            </a:r>
+            <a:r>
+              <a:rPr lang="zh-CN" altLang="en-US">
+                <a:latin typeface="宋体" panose="02010600030101010101" pitchFamily="2" charset="-122"/>
+                <a:ea typeface="宋体" panose="02010600030101010101" pitchFamily="2" charset="-122"/>
+                <a:sym typeface="+mn-ea"/>
+              </a:rPr>
+              <a:t>的公钥解密摘要密文，跟消息体形成的摘要比较是否相等。在这个过程中：</a:t>
+            </a:r>
+            <a:endParaRPr lang="zh-CN" altLang="en-US">
+              <a:latin typeface="宋体" panose="02010600030101010101" pitchFamily="2" charset="-122"/>
+              <a:ea typeface="宋体" panose="02010600030101010101" pitchFamily="2" charset="-122"/>
+              <a:sym typeface="+mn-ea"/>
+            </a:endParaRPr>
+          </a:p>
+          <a:p>
+            <a:pPr marL="742950" lvl="1" indent="-285750">
+              <a:buFont typeface="Arial" panose="020B0604020202020204" pitchFamily="34" charset="0"/>
+              <a:buChar char="•"/>
+            </a:pPr>
+            <a:r>
+              <a:rPr lang="zh-CN" altLang="en-US">
+                <a:latin typeface="宋体" panose="02010600030101010101" pitchFamily="2" charset="-122"/>
+                <a:ea typeface="宋体" panose="02010600030101010101" pitchFamily="2" charset="-122"/>
+                <a:sym typeface="+mn-ea"/>
+              </a:rPr>
+              <a:t>首先，这个场景的关键逻辑上要这样理解：接收者接收者知道被加密的原始明文是什么，又拿到了声称是一个被私钥持有者加密后的密文，那么如果这个密文能够用加密者的公钥恢复成正确的明文，那么就证明发送者确实持有</a:t>
+            </a:r>
+            <a:r>
+              <a:rPr lang="en-US" altLang="zh-CN">
+                <a:latin typeface="宋体" panose="02010600030101010101" pitchFamily="2" charset="-122"/>
+                <a:ea typeface="宋体" panose="02010600030101010101" pitchFamily="2" charset="-122"/>
+                <a:sym typeface="+mn-ea"/>
+              </a:rPr>
+              <a:t>(B</a:t>
+            </a:r>
+            <a:r>
+              <a:rPr lang="zh-CN" altLang="en-US">
+                <a:latin typeface="宋体" panose="02010600030101010101" pitchFamily="2" charset="-122"/>
+                <a:ea typeface="宋体" panose="02010600030101010101" pitchFamily="2" charset="-122"/>
+                <a:sym typeface="+mn-ea"/>
+              </a:rPr>
+              <a:t>手里的这个已经被确信是</a:t>
+            </a:r>
+            <a:r>
+              <a:rPr lang="en-US" altLang="zh-CN">
+                <a:latin typeface="宋体" panose="02010600030101010101" pitchFamily="2" charset="-122"/>
+                <a:ea typeface="宋体" panose="02010600030101010101" pitchFamily="2" charset="-122"/>
+                <a:sym typeface="+mn-ea"/>
+              </a:rPr>
+              <a:t>A</a:t>
+            </a:r>
+            <a:r>
+              <a:rPr lang="zh-CN" altLang="en-US">
+                <a:latin typeface="宋体" panose="02010600030101010101" pitchFamily="2" charset="-122"/>
+                <a:ea typeface="宋体" panose="02010600030101010101" pitchFamily="2" charset="-122"/>
+                <a:sym typeface="+mn-ea"/>
+              </a:rPr>
+              <a:t>的公钥所对应</a:t>
+            </a:r>
+            <a:r>
+              <a:rPr lang="en-US" altLang="zh-CN">
+                <a:latin typeface="宋体" panose="02010600030101010101" pitchFamily="2" charset="-122"/>
+                <a:ea typeface="宋体" panose="02010600030101010101" pitchFamily="2" charset="-122"/>
+                <a:sym typeface="+mn-ea"/>
+              </a:rPr>
+              <a:t>)</a:t>
+            </a:r>
+            <a:r>
+              <a:rPr lang="zh-CN" altLang="en-US">
+                <a:latin typeface="宋体" panose="02010600030101010101" pitchFamily="2" charset="-122"/>
+                <a:ea typeface="宋体" panose="02010600030101010101" pitchFamily="2" charset="-122"/>
+                <a:sym typeface="+mn-ea"/>
+              </a:rPr>
+              <a:t>的那个</a:t>
+            </a:r>
+            <a:r>
+              <a:rPr lang="zh-CN" altLang="en-US">
+                <a:latin typeface="宋体" panose="02010600030101010101" pitchFamily="2" charset="-122"/>
+                <a:ea typeface="宋体" panose="02010600030101010101" pitchFamily="2" charset="-122"/>
+                <a:sym typeface="+mn-ea"/>
+              </a:rPr>
+              <a:t>私钥</a:t>
+            </a:r>
+            <a:endParaRPr lang="zh-CN" altLang="en-US">
+              <a:latin typeface="宋体" panose="02010600030101010101" pitchFamily="2" charset="-122"/>
+              <a:ea typeface="宋体" panose="02010600030101010101" pitchFamily="2" charset="-122"/>
+              <a:sym typeface="+mn-ea"/>
+            </a:endParaRPr>
+          </a:p>
+          <a:p>
+            <a:pPr marL="742950" lvl="1" indent="-285750">
+              <a:buFont typeface="Arial" panose="020B0604020202020204" pitchFamily="34" charset="0"/>
+              <a:buChar char="•"/>
+            </a:pPr>
+            <a:r>
+              <a:rPr lang="zh-CN" altLang="en-US">
+                <a:latin typeface="宋体" panose="02010600030101010101" pitchFamily="2" charset="-122"/>
+                <a:ea typeface="宋体" panose="02010600030101010101" pitchFamily="2" charset="-122"/>
+                <a:sym typeface="+mn-ea"/>
+              </a:rPr>
+              <a:t>这个场景中消息发送者证明消息确实是自己发的，接收者验证这一点。</a:t>
+            </a:r>
+            <a:endParaRPr lang="zh-CN" altLang="en-US">
+              <a:latin typeface="宋体" panose="02010600030101010101" pitchFamily="2" charset="-122"/>
+              <a:ea typeface="宋体" panose="02010600030101010101" pitchFamily="2" charset="-122"/>
+              <a:sym typeface="+mn-ea"/>
+            </a:endParaRPr>
+          </a:p>
+          <a:p>
+            <a:pPr marL="742950" lvl="1" indent="-285750">
+              <a:buFont typeface="Arial" panose="020B0604020202020204" pitchFamily="34" charset="0"/>
+              <a:buChar char="•"/>
+            </a:pPr>
+            <a:r>
+              <a:rPr lang="zh-CN" altLang="en-US">
+                <a:latin typeface="宋体" panose="02010600030101010101" pitchFamily="2" charset="-122"/>
+                <a:ea typeface="宋体" panose="02010600030101010101" pitchFamily="2" charset="-122"/>
+                <a:sym typeface="+mn-ea"/>
+              </a:rPr>
+              <a:t>加密的是消息的摘要，而不是消息。</a:t>
+            </a:r>
+            <a:endParaRPr lang="zh-CN" altLang="en-US">
+              <a:latin typeface="宋体" panose="02010600030101010101" pitchFamily="2" charset="-122"/>
+              <a:ea typeface="宋体" panose="02010600030101010101" pitchFamily="2" charset="-122"/>
+              <a:sym typeface="+mn-ea"/>
+            </a:endParaRPr>
+          </a:p>
+          <a:p>
+            <a:pPr marL="742950" lvl="1" indent="-285750">
+              <a:buFont typeface="Arial" panose="020B0604020202020204" pitchFamily="34" charset="0"/>
+              <a:buChar char="•"/>
+            </a:pPr>
+            <a:r>
+              <a:rPr lang="zh-CN" altLang="en-US">
+                <a:latin typeface="宋体" panose="02010600030101010101" pitchFamily="2" charset="-122"/>
+                <a:ea typeface="宋体" panose="02010600030101010101" pitchFamily="2" charset="-122"/>
+                <a:sym typeface="+mn-ea"/>
+              </a:rPr>
+              <a:t>从技术上用私钥加密，但从目的上，绝不是消息保密，而是抵御伪装者</a:t>
+            </a:r>
+            <a:endParaRPr lang="zh-CN" altLang="en-US">
+              <a:latin typeface="宋体" panose="02010600030101010101" pitchFamily="2" charset="-122"/>
+              <a:ea typeface="宋体" panose="02010600030101010101" pitchFamily="2" charset="-122"/>
+              <a:sym typeface="+mn-ea"/>
+            </a:endParaRPr>
+          </a:p>
+          <a:p>
+            <a:pPr marL="742950" lvl="1" indent="-285750">
+              <a:buFont typeface="Arial" panose="020B0604020202020204" pitchFamily="34" charset="0"/>
+              <a:buChar char="•"/>
+            </a:pPr>
+            <a:endParaRPr lang="zh-CN" altLang="en-US">
+              <a:latin typeface="宋体" panose="02010600030101010101" pitchFamily="2" charset="-122"/>
+              <a:ea typeface="宋体" panose="02010600030101010101" pitchFamily="2" charset="-122"/>
+            </a:endParaRPr>
+          </a:p>
+          <a:p>
+            <a:pPr marL="285750" indent="-285750">
+              <a:buFont typeface="Arial" panose="020B0604020202020204" pitchFamily="34" charset="0"/>
+              <a:buChar char="•"/>
+            </a:pPr>
+            <a:endParaRPr lang="zh-CN" altLang="en-US">
+              <a:latin typeface="宋体" panose="02010600030101010101" pitchFamily="2" charset="-122"/>
+              <a:ea typeface="宋体" panose="02010600030101010101" pitchFamily="2" charset="-122"/>
+            </a:endParaRPr>
+          </a:p>
+        </p:txBody>
+      </p:sp>
+    </p:spTree>
+  </p:cSld>
+  <p:clrMapOvr>
+    <a:masterClrMapping/>
+  </p:clrMapOvr>
+</p:sld>
+</file>
+
+<file path=ppt/slides/slide8.xml><?xml version="1.0" encoding="utf-8"?>
+<p:sld xmlns:a="http://schemas.openxmlformats.org/drawingml/2006/main" xmlns:r="http://schemas.openxmlformats.org/officeDocument/2006/relationships" xmlns:p="http://schemas.openxmlformats.org/presentationml/2006/main">
+  <p:cSld>
+    <p:spTree>
+      <p:nvGrpSpPr>
+        <p:cNvPr id="1" name=""/>
+        <p:cNvGrpSpPr/>
+        <p:nvPr/>
+      </p:nvGrpSpPr>
+      <p:grpSpPr/>
+      <p:sp>
+        <p:nvSpPr>
+          <p:cNvPr id="2" name="标题 1"/>
+          <p:cNvSpPr>
+            <a:spLocks noGrp="1"/>
+          </p:cNvSpPr>
+          <p:nvPr>
+            <p:ph type="title"/>
+          </p:nvPr>
+        </p:nvSpPr>
+        <p:spPr/>
+        <p:txBody>
+          <a:bodyPr/>
+          <a:p>
+            <a:r>
+              <a:rPr lang="zh-CN" altLang="en-US"/>
+              <a:t>这是一个关于信任的</a:t>
+            </a:r>
+            <a:r>
+              <a:rPr lang="zh-CN" altLang="en-US"/>
+              <a:t>问题。。。</a:t>
+            </a:r>
+            <a:endParaRPr lang="zh-CN" altLang="en-US"/>
+          </a:p>
+        </p:txBody>
+      </p:sp>
+      <p:sp>
+        <p:nvSpPr>
+          <p:cNvPr id="3" name="内容占位符 2"/>
+          <p:cNvSpPr>
+            <a:spLocks noGrp="1"/>
+          </p:cNvSpPr>
+          <p:nvPr>
+            <p:ph idx="1"/>
+          </p:nvPr>
+        </p:nvSpPr>
+        <p:spPr/>
+        <p:txBody>
+          <a:bodyPr/>
+          <a:p>
+            <a:r>
+              <a:rPr lang="zh-CN" altLang="en-US"/>
+              <a:t>签名的实质是，这确实是我说的，我来担保这段信息是真的。注意，这两句含义不同。第一句签名可以完整，第二句呢，用什么担保？这样下去，就存在信任</a:t>
+            </a:r>
+            <a:r>
+              <a:rPr lang="zh-CN" altLang="en-US"/>
+              <a:t>链条</a:t>
+            </a:r>
+            <a:endParaRPr lang="zh-CN" altLang="en-US"/>
+          </a:p>
+          <a:p>
+            <a:r>
+              <a:rPr lang="zh-CN" altLang="en-US"/>
+              <a:t>一方用自己的私钥对另一方公钥的签名，形成</a:t>
+            </a:r>
+            <a:r>
+              <a:rPr lang="zh-CN" altLang="en-US"/>
+              <a:t>证书</a:t>
+            </a:r>
+            <a:endParaRPr lang="zh-CN" altLang="en-US"/>
+          </a:p>
+        </p:txBody>
+      </p:sp>
+    </p:spTree>
+  </p:cSld>
+  <p:clrMapOvr>
+    <a:masterClrMapping/>
+  </p:clrMapOvr>
+</p:sld>
+</file>
+
+<file path=ppt/slides/slide9.xml><?xml version="1.0" encoding="utf-8"?>
+<p:sld xmlns:a="http://schemas.openxmlformats.org/drawingml/2006/main" xmlns:r="http://schemas.openxmlformats.org/officeDocument/2006/relationships" xmlns:p="http://schemas.openxmlformats.org/presentationml/2006/main">
+  <p:cSld>
+    <p:spTree>
+      <p:nvGrpSpPr>
+        <p:cNvPr id="1" name=""/>
+        <p:cNvGrpSpPr/>
+        <p:nvPr/>
+      </p:nvGrpSpPr>
+      <p:grpSpPr/>
+      <p:sp>
+        <p:nvSpPr>
+          <p:cNvPr id="2" name="标题 1"/>
+          <p:cNvSpPr>
+            <a:spLocks noGrp="1"/>
+          </p:cNvSpPr>
+          <p:nvPr>
+            <p:ph type="title"/>
+          </p:nvPr>
+        </p:nvSpPr>
+        <p:spPr/>
+        <p:txBody>
+          <a:bodyPr/>
+          <a:p>
+            <a:r>
+              <a:rPr lang="en-US" altLang="zh-CN"/>
+              <a:t>CA</a:t>
+            </a:r>
+            <a:r>
+              <a:rPr lang="zh-CN" altLang="en-US"/>
+              <a:t>体系</a:t>
+            </a:r>
+            <a:endParaRPr lang="zh-CN" altLang="en-US"/>
+          </a:p>
+        </p:txBody>
+      </p:sp>
+      <p:sp>
+        <p:nvSpPr>
+          <p:cNvPr id="3" name="内容占位符 2"/>
+          <p:cNvSpPr>
+            <a:spLocks noGrp="1"/>
+          </p:cNvSpPr>
+          <p:nvPr>
+            <p:ph idx="1"/>
+          </p:nvPr>
+        </p:nvSpPr>
+        <p:spPr/>
+        <p:txBody>
+          <a:bodyPr>
+            <a:normAutofit lnSpcReduction="10000"/>
+          </a:bodyPr>
+          <a:p>
+            <a:r>
+              <a:rPr lang="zh-CN" altLang="en-US"/>
+              <a:t>认证机构和</a:t>
+            </a:r>
+            <a:r>
+              <a:rPr lang="zh-CN" altLang="en-US"/>
+              <a:t>用户</a:t>
+            </a:r>
+            <a:endParaRPr lang="zh-CN" altLang="en-US"/>
+          </a:p>
+          <a:p>
+            <a:r>
+              <a:rPr lang="zh-CN" altLang="en-US"/>
+              <a:t>认证机构本身是一个关于信任的层次树状结构，相应地是证书链</a:t>
+            </a:r>
+            <a:r>
+              <a:rPr lang="en-US" altLang="zh-CN"/>
+              <a:t>(</a:t>
+            </a:r>
+            <a:r>
+              <a:rPr lang="zh-CN" altLang="en-US"/>
+              <a:t>树</a:t>
+            </a:r>
+            <a:r>
+              <a:rPr lang="en-US" altLang="zh-CN"/>
+              <a:t>)</a:t>
+            </a:r>
+            <a:r>
+              <a:rPr lang="zh-CN" altLang="en-US"/>
+              <a:t>，每一级机构持有自己的私钥和证书</a:t>
+            </a:r>
+            <a:endParaRPr lang="zh-CN" altLang="en-US"/>
+          </a:p>
+          <a:p>
+            <a:r>
+              <a:rPr lang="zh-CN" altLang="en-US"/>
+              <a:t>上级用自己的私钥为下级的公钥签名，形成下级持有的证书，从而下级的证书能被公众验证是否被它的上级颁发，这个验证的输入是</a:t>
+            </a:r>
+            <a:r>
+              <a:rPr lang="en-US" altLang="zh-CN"/>
+              <a:t>(</a:t>
+            </a:r>
+            <a:r>
+              <a:rPr lang="zh-CN" altLang="en-US"/>
+              <a:t>上级证书，这个组织的证书</a:t>
+            </a:r>
+            <a:r>
+              <a:rPr lang="en-US" altLang="zh-CN"/>
+              <a:t>)</a:t>
+            </a:r>
+            <a:r>
+              <a:rPr lang="zh-CN" altLang="en-US"/>
+              <a:t>，实质上是（上级的公钥，下级的公钥和组织信息形成的消息体，上级私钥消息体摘要的摘要的加密密文</a:t>
+            </a:r>
+            <a:r>
+              <a:rPr lang="en-US" altLang="zh-CN"/>
+              <a:t>)</a:t>
+            </a:r>
+            <a:endParaRPr lang="en-US" altLang="zh-CN"/>
+          </a:p>
+          <a:p>
+            <a:endParaRPr lang="zh-CN" altLang="en-US"/>
+          </a:p>
+        </p:txBody>
+      </p:sp>
     </p:spTree>
   </p:cSld>
   <p:clrMapOvr>
